--- a/svelte-app/src/lib/assets/Tree Graph Diagram.pptx
+++ b/svelte-app/src/lib/assets/Tree Graph Diagram.pptx
@@ -104,6 +104,11 @@
       </a:defRPr>
     </a:lvl9pPr>
   </p:defaultTextStyle>
+  <p:extLst>
+    <p:ext uri="{EFAFB233-063F-42B5-8137-9DF3F51BA10A}">
+      <p15:sldGuideLst xmlns:p15="http://schemas.microsoft.com/office/powerpoint/2012/main"/>
+    </p:ext>
+  </p:extLst>
 </p:presentation>
 </file>
 
@@ -1737,7 +1742,7 @@
                 </a:solidFill>
                 <a:latin typeface="Calibri"/>
               </a:rPr>
-              <a:t>13/08/2022</a:t>
+              <a:t>14/08/2022</a:t>
             </a:fld>
             <a:endParaRPr lang="en-AU" sz="1200" b="0" strike="noStrike" spc="-1">
               <a:latin typeface="Times New Roman"/>
@@ -2304,14 +2309,6 @@
 <file path=ppt/slides/slide1.xml><?xml version="1.0" encoding="utf-8"?>
 <p:sld xmlns:a="http://schemas.openxmlformats.org/drawingml/2006/main" xmlns:r="http://schemas.openxmlformats.org/officeDocument/2006/relationships" xmlns:p="http://schemas.openxmlformats.org/presentationml/2006/main">
   <p:cSld>
-    <p:bg>
-      <p:bgPr>
-        <a:solidFill>
-          <a:srgbClr val="83888E"/>
-        </a:solidFill>
-        <a:effectLst/>
-      </p:bgPr>
-    </p:bg>
     <p:spTree>
       <p:nvGrpSpPr>
         <p:cNvPr id="1" name=""/>
@@ -2328,10 +2325,10 @@
       </p:grpSpPr>
       <p:grpSp>
         <p:nvGrpSpPr>
-          <p:cNvPr id="4" name="Group 3">
+          <p:cNvPr id="35" name="Group 34">
             <a:extLst>
               <a:ext uri="{FF2B5EF4-FFF2-40B4-BE49-F238E27FC236}">
-                <a16:creationId xmlns:a16="http://schemas.microsoft.com/office/drawing/2014/main" id="{F7D16E96-E50F-1EA4-F301-0D96BEE0963B}"/>
+                <a16:creationId xmlns:a16="http://schemas.microsoft.com/office/drawing/2014/main" id="{9C685015-5EA5-0619-0751-4EDB2A7D1F8F}"/>
               </a:ext>
             </a:extLst>
           </p:cNvPr>
@@ -2340,10 +2337,10 @@
         </p:nvGrpSpPr>
         <p:grpSpPr>
           <a:xfrm>
-            <a:off x="697312" y="335499"/>
-            <a:ext cx="11045163" cy="6249497"/>
-            <a:chOff x="697312" y="335499"/>
-            <a:chExt cx="11045163" cy="6249497"/>
+            <a:off x="80250" y="144049"/>
+            <a:ext cx="12031980" cy="6585742"/>
+            <a:chOff x="80250" y="144049"/>
+            <a:chExt cx="12031980" cy="6585742"/>
           </a:xfrm>
         </p:grpSpPr>
         <p:sp>
@@ -2360,8 +2357,8 @@
           </p:nvSpPr>
           <p:spPr>
             <a:xfrm>
-              <a:off x="697312" y="335499"/>
-              <a:ext cx="11045163" cy="6249497"/>
+              <a:off x="80250" y="144049"/>
+              <a:ext cx="12031980" cy="6585742"/>
             </a:xfrm>
             <a:prstGeom prst="rect">
               <a:avLst/>
@@ -2400,2097 +2397,2364 @@
             </a:p>
           </p:txBody>
         </p:sp>
-        <p:grpSp>
-          <p:nvGrpSpPr>
-            <p:cNvPr id="2" name="Group 1">
+        <p:sp>
+          <p:nvSpPr>
+            <p:cNvPr id="41" name="CustomShape 1"/>
+            <p:cNvSpPr/>
+            <p:nvPr/>
+          </p:nvSpPr>
+          <p:spPr>
+            <a:xfrm>
+              <a:off x="1735200" y="1932288"/>
+              <a:ext cx="4823340" cy="2540118"/>
+            </a:xfrm>
+            <a:prstGeom prst="triangle">
+              <a:avLst>
+                <a:gd name="adj" fmla="val 50000"/>
+              </a:avLst>
+            </a:prstGeom>
+            <a:solidFill>
+              <a:schemeClr val="tx2"/>
+            </a:solidFill>
+            <a:ln w="28575">
+              <a:solidFill>
+                <a:schemeClr val="bg1"/>
+              </a:solidFill>
+              <a:prstDash val="lgDash"/>
+            </a:ln>
+          </p:spPr>
+          <p:style>
+            <a:lnRef idx="2">
+              <a:schemeClr val="accent1">
+                <a:shade val="50000"/>
+              </a:schemeClr>
+            </a:lnRef>
+            <a:fillRef idx="1">
+              <a:schemeClr val="accent1"/>
+            </a:fillRef>
+            <a:effectRef idx="0">
+              <a:schemeClr val="accent1"/>
+            </a:effectRef>
+            <a:fontRef idx="minor"/>
+          </p:style>
+        </p:sp>
+        <p:sp>
+          <p:nvSpPr>
+            <p:cNvPr id="42" name="Line 2"/>
+            <p:cNvSpPr/>
+            <p:nvPr/>
+          </p:nvSpPr>
+          <p:spPr>
+            <a:xfrm flipH="1">
+              <a:off x="2103840" y="2840760"/>
+              <a:ext cx="7956720" cy="0"/>
+            </a:xfrm>
+            <a:prstGeom prst="line">
+              <a:avLst/>
+            </a:prstGeom>
+            <a:ln w="12700">
+              <a:solidFill>
+                <a:schemeClr val="bg1">
+                  <a:lumMod val="65000"/>
+                </a:schemeClr>
+              </a:solidFill>
+            </a:ln>
+          </p:spPr>
+          <p:style>
+            <a:lnRef idx="1">
+              <a:schemeClr val="accent1"/>
+            </a:lnRef>
+            <a:fillRef idx="0">
+              <a:schemeClr val="accent1"/>
+            </a:fillRef>
+            <a:effectRef idx="0">
+              <a:schemeClr val="accent1"/>
+            </a:effectRef>
+            <a:fontRef idx="minor"/>
+          </p:style>
+        </p:sp>
+        <p:sp>
+          <p:nvSpPr>
+            <p:cNvPr id="43" name="Line 3"/>
+            <p:cNvSpPr/>
+            <p:nvPr/>
+          </p:nvSpPr>
+          <p:spPr>
+            <a:xfrm flipH="1">
+              <a:off x="2103840" y="1651680"/>
+              <a:ext cx="7956720" cy="0"/>
+            </a:xfrm>
+            <a:prstGeom prst="line">
+              <a:avLst/>
+            </a:prstGeom>
+            <a:ln w="12700">
+              <a:solidFill>
+                <a:schemeClr val="bg1">
+                  <a:lumMod val="65000"/>
+                </a:schemeClr>
+              </a:solidFill>
+            </a:ln>
+          </p:spPr>
+          <p:style>
+            <a:lnRef idx="1">
+              <a:schemeClr val="accent1"/>
+            </a:lnRef>
+            <a:fillRef idx="0">
+              <a:schemeClr val="accent1"/>
+            </a:fillRef>
+            <a:effectRef idx="0">
+              <a:schemeClr val="accent1"/>
+            </a:effectRef>
+            <a:fontRef idx="minor"/>
+          </p:style>
+        </p:sp>
+        <p:sp>
+          <p:nvSpPr>
+            <p:cNvPr id="44" name="Line 4"/>
+            <p:cNvSpPr/>
+            <p:nvPr/>
+          </p:nvSpPr>
+          <p:spPr>
+            <a:xfrm flipH="1">
+              <a:off x="2103840" y="4029480"/>
+              <a:ext cx="7956720" cy="0"/>
+            </a:xfrm>
+            <a:prstGeom prst="line">
+              <a:avLst/>
+            </a:prstGeom>
+            <a:ln w="12700">
+              <a:solidFill>
+                <a:schemeClr val="bg1">
+                  <a:lumMod val="65000"/>
+                </a:schemeClr>
+              </a:solidFill>
+            </a:ln>
+          </p:spPr>
+          <p:style>
+            <a:lnRef idx="1">
+              <a:schemeClr val="accent1"/>
+            </a:lnRef>
+            <a:fillRef idx="0">
+              <a:schemeClr val="accent1"/>
+            </a:fillRef>
+            <a:effectRef idx="0">
+              <a:schemeClr val="accent1"/>
+            </a:effectRef>
+            <a:fontRef idx="minor"/>
+          </p:style>
+        </p:sp>
+        <p:sp>
+          <p:nvSpPr>
+            <p:cNvPr id="45" name="Line 5"/>
+            <p:cNvSpPr/>
+            <p:nvPr/>
+          </p:nvSpPr>
+          <p:spPr>
+            <a:xfrm flipH="1">
+              <a:off x="2103840" y="5218560"/>
+              <a:ext cx="7956720" cy="0"/>
+            </a:xfrm>
+            <a:prstGeom prst="line">
+              <a:avLst/>
+            </a:prstGeom>
+            <a:ln w="12700">
+              <a:solidFill>
+                <a:schemeClr val="bg1">
+                  <a:lumMod val="65000"/>
+                </a:schemeClr>
+              </a:solidFill>
+            </a:ln>
+          </p:spPr>
+          <p:style>
+            <a:lnRef idx="1">
+              <a:schemeClr val="accent1"/>
+            </a:lnRef>
+            <a:fillRef idx="0">
+              <a:schemeClr val="accent1"/>
+            </a:fillRef>
+            <a:effectRef idx="0">
+              <a:schemeClr val="accent1"/>
+            </a:effectRef>
+            <a:fontRef idx="minor"/>
+          </p:style>
+        </p:sp>
+        <p:sp>
+          <p:nvSpPr>
+            <p:cNvPr id="46" name="CustomShape 6"/>
+            <p:cNvSpPr/>
+            <p:nvPr/>
+          </p:nvSpPr>
+          <p:spPr>
+            <a:xfrm>
+              <a:off x="5808600" y="1364040"/>
+              <a:ext cx="575280" cy="575280"/>
+            </a:xfrm>
+            <a:prstGeom prst="ellipse">
+              <a:avLst/>
+            </a:prstGeom>
+            <a:solidFill>
+              <a:srgbClr val="F2F2F2"/>
+            </a:solidFill>
+            <a:ln>
+              <a:solidFill>
+                <a:schemeClr val="tx1"/>
+              </a:solidFill>
+            </a:ln>
+          </p:spPr>
+          <p:style>
+            <a:lnRef idx="2">
+              <a:schemeClr val="accent1">
+                <a:shade val="50000"/>
+              </a:schemeClr>
+            </a:lnRef>
+            <a:fillRef idx="1">
+              <a:schemeClr val="accent1"/>
+            </a:fillRef>
+            <a:effectRef idx="0">
+              <a:schemeClr val="accent1"/>
+            </a:effectRef>
+            <a:fontRef idx="minor"/>
+          </p:style>
+          <p:txBody>
+            <a:bodyPr lIns="90000" tIns="45000" rIns="90000" bIns="45000" anchor="ctr">
+              <a:noAutofit/>
+            </a:bodyPr>
+            <a:lstStyle/>
+            <a:p>
+              <a:pPr algn="ctr">
+                <a:lnSpc>
+                  <a:spcPct val="100000"/>
+                </a:lnSpc>
+              </a:pPr>
+              <a:endParaRPr lang="en-AU" sz="1600" b="0" strike="noStrike" spc="-1" dirty="0">
+                <a:latin typeface="Arial"/>
+              </a:endParaRPr>
+            </a:p>
+          </p:txBody>
+        </p:sp>
+        <p:sp>
+          <p:nvSpPr>
+            <p:cNvPr id="48" name="CustomShape 8"/>
+            <p:cNvSpPr/>
+            <p:nvPr/>
+          </p:nvSpPr>
+          <p:spPr>
+            <a:xfrm>
+              <a:off x="3375010" y="3745440"/>
+              <a:ext cx="575280" cy="575280"/>
+            </a:xfrm>
+            <a:prstGeom prst="ellipse">
+              <a:avLst/>
+            </a:prstGeom>
+            <a:solidFill>
+              <a:srgbClr val="F2F2F2"/>
+            </a:solidFill>
+            <a:ln>
+              <a:solidFill>
+                <a:schemeClr val="tx1"/>
+              </a:solidFill>
+            </a:ln>
+          </p:spPr>
+          <p:style>
+            <a:lnRef idx="2">
+              <a:schemeClr val="accent1">
+                <a:shade val="50000"/>
+              </a:schemeClr>
+            </a:lnRef>
+            <a:fillRef idx="1">
+              <a:schemeClr val="accent1"/>
+            </a:fillRef>
+            <a:effectRef idx="0">
+              <a:schemeClr val="accent1"/>
+            </a:effectRef>
+            <a:fontRef idx="minor"/>
+          </p:style>
+          <p:txBody>
+            <a:bodyPr lIns="90000" tIns="45000" rIns="90000" bIns="45000" anchor="ctr">
+              <a:noAutofit/>
+            </a:bodyPr>
+            <a:lstStyle/>
+            <a:p>
+              <a:pPr algn="ctr">
+                <a:lnSpc>
+                  <a:spcPct val="100000"/>
+                </a:lnSpc>
+              </a:pPr>
+              <a:endParaRPr lang="en-AU" sz="1600" b="0" strike="noStrike" spc="-1" dirty="0">
+                <a:latin typeface="Arial"/>
+              </a:endParaRPr>
+            </a:p>
+          </p:txBody>
+        </p:sp>
+        <p:sp>
+          <p:nvSpPr>
+            <p:cNvPr id="49" name="CustomShape 9"/>
+            <p:cNvSpPr/>
+            <p:nvPr/>
+          </p:nvSpPr>
+          <p:spPr>
+            <a:xfrm>
+              <a:off x="4296370" y="3745440"/>
+              <a:ext cx="575280" cy="575280"/>
+            </a:xfrm>
+            <a:prstGeom prst="ellipse">
+              <a:avLst/>
+            </a:prstGeom>
+            <a:solidFill>
+              <a:srgbClr val="F2F2F2"/>
+            </a:solidFill>
+            <a:ln>
+              <a:solidFill>
+                <a:schemeClr val="tx1"/>
+              </a:solidFill>
+            </a:ln>
+          </p:spPr>
+          <p:style>
+            <a:lnRef idx="2">
+              <a:schemeClr val="accent1">
+                <a:shade val="50000"/>
+              </a:schemeClr>
+            </a:lnRef>
+            <a:fillRef idx="1">
+              <a:schemeClr val="accent1"/>
+            </a:fillRef>
+            <a:effectRef idx="0">
+              <a:schemeClr val="accent1"/>
+            </a:effectRef>
+            <a:fontRef idx="minor"/>
+          </p:style>
+          <p:txBody>
+            <a:bodyPr lIns="90000" tIns="45000" rIns="90000" bIns="45000" anchor="ctr">
+              <a:noAutofit/>
+            </a:bodyPr>
+            <a:lstStyle/>
+            <a:p>
+              <a:pPr algn="ctr">
+                <a:lnSpc>
+                  <a:spcPct val="100000"/>
+                </a:lnSpc>
+              </a:pPr>
+              <a:endParaRPr lang="en-AU" sz="1600" b="0" strike="noStrike" spc="-1" dirty="0">
+                <a:latin typeface="Arial"/>
+              </a:endParaRPr>
+            </a:p>
+          </p:txBody>
+        </p:sp>
+        <p:sp>
+          <p:nvSpPr>
+            <p:cNvPr id="50" name="CustomShape 10"/>
+            <p:cNvSpPr/>
+            <p:nvPr/>
+          </p:nvSpPr>
+          <p:spPr>
+            <a:xfrm>
+              <a:off x="5217730" y="3745440"/>
+              <a:ext cx="575640" cy="575280"/>
+            </a:xfrm>
+            <a:prstGeom prst="ellipse">
+              <a:avLst/>
+            </a:prstGeom>
+            <a:solidFill>
+              <a:srgbClr val="F2F2F2"/>
+            </a:solidFill>
+            <a:ln>
+              <a:solidFill>
+                <a:schemeClr val="tx1"/>
+              </a:solidFill>
+            </a:ln>
+          </p:spPr>
+          <p:style>
+            <a:lnRef idx="2">
+              <a:schemeClr val="accent1">
+                <a:shade val="50000"/>
+              </a:schemeClr>
+            </a:lnRef>
+            <a:fillRef idx="1">
+              <a:schemeClr val="accent1"/>
+            </a:fillRef>
+            <a:effectRef idx="0">
+              <a:schemeClr val="accent1"/>
+            </a:effectRef>
+            <a:fontRef idx="minor"/>
+          </p:style>
+          <p:txBody>
+            <a:bodyPr lIns="90000" tIns="45000" rIns="90000" bIns="45000" anchor="ctr">
+              <a:noAutofit/>
+            </a:bodyPr>
+            <a:lstStyle/>
+            <a:p>
+              <a:pPr algn="ctr">
+                <a:lnSpc>
+                  <a:spcPct val="100000"/>
+                </a:lnSpc>
+              </a:pPr>
+              <a:endParaRPr lang="en-AU" sz="1600" b="0" strike="noStrike" spc="-1" dirty="0">
+                <a:latin typeface="Arial"/>
+              </a:endParaRPr>
+            </a:p>
+          </p:txBody>
+        </p:sp>
+        <p:sp>
+          <p:nvSpPr>
+            <p:cNvPr id="51" name="CustomShape 11"/>
+            <p:cNvSpPr/>
+            <p:nvPr/>
+          </p:nvSpPr>
+          <p:spPr>
+            <a:xfrm>
+              <a:off x="8750880" y="4942080"/>
+              <a:ext cx="575280" cy="575280"/>
+            </a:xfrm>
+            <a:prstGeom prst="ellipse">
+              <a:avLst/>
+            </a:prstGeom>
+            <a:solidFill>
+              <a:srgbClr val="F2F2F2"/>
+            </a:solidFill>
+            <a:ln>
+              <a:solidFill>
+                <a:schemeClr val="tx1"/>
+              </a:solidFill>
+            </a:ln>
+          </p:spPr>
+          <p:style>
+            <a:lnRef idx="2">
+              <a:schemeClr val="accent1">
+                <a:shade val="50000"/>
+              </a:schemeClr>
+            </a:lnRef>
+            <a:fillRef idx="1">
+              <a:schemeClr val="accent1"/>
+            </a:fillRef>
+            <a:effectRef idx="0">
+              <a:schemeClr val="accent1"/>
+            </a:effectRef>
+            <a:fontRef idx="minor"/>
+          </p:style>
+          <p:txBody>
+            <a:bodyPr lIns="90000" tIns="45000" rIns="90000" bIns="45000" anchor="ctr">
+              <a:noAutofit/>
+            </a:bodyPr>
+            <a:lstStyle/>
+            <a:p>
+              <a:pPr algn="ctr">
+                <a:lnSpc>
+                  <a:spcPct val="100000"/>
+                </a:lnSpc>
+              </a:pPr>
+              <a:endParaRPr lang="en-AU" sz="1600" b="0" strike="noStrike" spc="-1" dirty="0">
+                <a:latin typeface="Arial"/>
+              </a:endParaRPr>
+            </a:p>
+          </p:txBody>
+        </p:sp>
+        <p:sp>
+          <p:nvSpPr>
+            <p:cNvPr id="52" name="Line 12"/>
+            <p:cNvSpPr/>
+            <p:nvPr/>
+          </p:nvSpPr>
+          <p:spPr>
+            <a:xfrm flipH="1">
+              <a:off x="4345560" y="1855440"/>
+              <a:ext cx="1546920" cy="785160"/>
+            </a:xfrm>
+            <a:prstGeom prst="line">
+              <a:avLst/>
+            </a:prstGeom>
+            <a:ln w="12700">
+              <a:solidFill>
+                <a:schemeClr val="tx1"/>
+              </a:solidFill>
+            </a:ln>
+          </p:spPr>
+          <p:style>
+            <a:lnRef idx="1">
+              <a:schemeClr val="accent1"/>
+            </a:lnRef>
+            <a:fillRef idx="0">
+              <a:schemeClr val="accent1"/>
+            </a:fillRef>
+            <a:effectRef idx="0">
+              <a:schemeClr val="accent1"/>
+            </a:effectRef>
+            <a:fontRef idx="minor"/>
+          </p:style>
+        </p:sp>
+        <p:sp>
+          <p:nvSpPr>
+            <p:cNvPr id="53" name="Line 13"/>
+            <p:cNvSpPr/>
+            <p:nvPr/>
+          </p:nvSpPr>
+          <p:spPr>
+            <a:xfrm>
+              <a:off x="6299640" y="1855440"/>
+              <a:ext cx="1547280" cy="785160"/>
+            </a:xfrm>
+            <a:prstGeom prst="line">
+              <a:avLst/>
+            </a:prstGeom>
+            <a:ln w="12700">
+              <a:solidFill>
+                <a:schemeClr val="tx1"/>
+              </a:solidFill>
+            </a:ln>
+          </p:spPr>
+          <p:style>
+            <a:lnRef idx="1">
+              <a:schemeClr val="accent1"/>
+            </a:lnRef>
+            <a:fillRef idx="0">
+              <a:schemeClr val="accent1"/>
+            </a:fillRef>
+            <a:effectRef idx="0">
+              <a:schemeClr val="accent1"/>
+            </a:effectRef>
+            <a:fontRef idx="minor"/>
+          </p:style>
+        </p:sp>
+        <p:sp>
+          <p:nvSpPr>
+            <p:cNvPr id="54" name="Line 14"/>
+            <p:cNvSpPr/>
+            <p:nvPr/>
+          </p:nvSpPr>
+          <p:spPr>
+            <a:xfrm flipH="1">
+              <a:off x="9038520" y="4317480"/>
+              <a:ext cx="1440" cy="624600"/>
+            </a:xfrm>
+            <a:prstGeom prst="line">
+              <a:avLst/>
+            </a:prstGeom>
+            <a:ln w="12700">
+              <a:solidFill>
+                <a:schemeClr val="tx1"/>
+              </a:solidFill>
+            </a:ln>
+          </p:spPr>
+          <p:style>
+            <a:lnRef idx="1">
+              <a:schemeClr val="accent1"/>
+            </a:lnRef>
+            <a:fillRef idx="0">
+              <a:schemeClr val="accent1"/>
+            </a:fillRef>
+            <a:effectRef idx="0">
+              <a:schemeClr val="accent1"/>
+            </a:effectRef>
+            <a:fontRef idx="minor"/>
+          </p:style>
+        </p:sp>
+        <p:sp>
+          <p:nvSpPr>
+            <p:cNvPr id="55" name="Line 15"/>
+            <p:cNvSpPr/>
+            <p:nvPr/>
+          </p:nvSpPr>
+          <p:spPr>
+            <a:xfrm flipH="1">
+              <a:off x="2735020" y="2997093"/>
+              <a:ext cx="1155943" cy="733588"/>
+            </a:xfrm>
+            <a:prstGeom prst="line">
+              <a:avLst/>
+            </a:prstGeom>
+            <a:ln w="12700">
+              <a:solidFill>
+                <a:schemeClr val="tx1"/>
+              </a:solidFill>
+            </a:ln>
+          </p:spPr>
+          <p:style>
+            <a:lnRef idx="1">
+              <a:schemeClr val="accent1"/>
+            </a:lnRef>
+            <a:fillRef idx="0">
+              <a:schemeClr val="accent1"/>
+            </a:fillRef>
+            <a:effectRef idx="0">
+              <a:schemeClr val="accent1"/>
+            </a:effectRef>
+            <a:fontRef idx="minor"/>
+          </p:style>
+        </p:sp>
+        <p:sp>
+          <p:nvSpPr>
+            <p:cNvPr id="56" name="Line 16"/>
+            <p:cNvSpPr/>
+            <p:nvPr/>
+          </p:nvSpPr>
+          <p:spPr>
+            <a:xfrm flipH="1">
+              <a:off x="3662360" y="3112561"/>
+              <a:ext cx="372303" cy="629640"/>
+            </a:xfrm>
+            <a:prstGeom prst="line">
+              <a:avLst/>
+            </a:prstGeom>
+            <a:ln w="12700">
+              <a:solidFill>
+                <a:schemeClr val="tx1"/>
+              </a:solidFill>
+            </a:ln>
+          </p:spPr>
+          <p:style>
+            <a:lnRef idx="1">
+              <a:schemeClr val="accent1"/>
+            </a:lnRef>
+            <a:fillRef idx="0">
+              <a:schemeClr val="accent1"/>
+            </a:fillRef>
+            <a:effectRef idx="0">
+              <a:schemeClr val="accent1"/>
+            </a:effectRef>
+            <a:fontRef idx="minor"/>
+          </p:style>
+        </p:sp>
+        <p:sp>
+          <p:nvSpPr>
+            <p:cNvPr id="57" name="Line 17"/>
+            <p:cNvSpPr/>
+            <p:nvPr/>
+          </p:nvSpPr>
+          <p:spPr>
+            <a:xfrm>
+              <a:off x="4388843" y="3009242"/>
+              <a:ext cx="1125277" cy="735840"/>
+            </a:xfrm>
+            <a:prstGeom prst="line">
+              <a:avLst/>
+            </a:prstGeom>
+            <a:ln w="12700">
+              <a:solidFill>
+                <a:schemeClr val="tx1"/>
+              </a:solidFill>
+            </a:ln>
+          </p:spPr>
+          <p:style>
+            <a:lnRef idx="1">
+              <a:schemeClr val="accent1"/>
+            </a:lnRef>
+            <a:fillRef idx="0">
+              <a:schemeClr val="accent1"/>
+            </a:fillRef>
+            <a:effectRef idx="0">
+              <a:schemeClr val="accent1"/>
+            </a:effectRef>
+            <a:fontRef idx="minor"/>
+          </p:style>
+        </p:sp>
+        <p:sp>
+          <p:nvSpPr>
+            <p:cNvPr id="59" name="CustomShape 19"/>
+            <p:cNvSpPr/>
+            <p:nvPr/>
+          </p:nvSpPr>
+          <p:spPr>
+            <a:xfrm>
+              <a:off x="6773400" y="3741840"/>
+              <a:ext cx="575280" cy="575280"/>
+            </a:xfrm>
+            <a:prstGeom prst="ellipse">
+              <a:avLst/>
+            </a:prstGeom>
+            <a:solidFill>
+              <a:srgbClr val="F2F2F2"/>
+            </a:solidFill>
+            <a:ln>
+              <a:solidFill>
+                <a:schemeClr val="tx1"/>
+              </a:solidFill>
+            </a:ln>
+          </p:spPr>
+          <p:style>
+            <a:lnRef idx="2">
+              <a:schemeClr val="accent1">
+                <a:shade val="50000"/>
+              </a:schemeClr>
+            </a:lnRef>
+            <a:fillRef idx="1">
+              <a:schemeClr val="accent1"/>
+            </a:fillRef>
+            <a:effectRef idx="0">
+              <a:schemeClr val="accent1"/>
+            </a:effectRef>
+            <a:fontRef idx="minor"/>
+          </p:style>
+          <p:txBody>
+            <a:bodyPr lIns="90000" tIns="45000" rIns="90000" bIns="45000" anchor="ctr">
+              <a:noAutofit/>
+            </a:bodyPr>
+            <a:lstStyle/>
+            <a:p>
+              <a:pPr algn="ctr">
+                <a:lnSpc>
+                  <a:spcPct val="100000"/>
+                </a:lnSpc>
+              </a:pPr>
+              <a:endParaRPr lang="en-AU" sz="1600" b="0" strike="noStrike" spc="-1" dirty="0">
+                <a:latin typeface="Arial"/>
+              </a:endParaRPr>
+            </a:p>
+          </p:txBody>
+        </p:sp>
+        <p:sp>
+          <p:nvSpPr>
+            <p:cNvPr id="60" name="CustomShape 20"/>
+            <p:cNvSpPr/>
+            <p:nvPr/>
+          </p:nvSpPr>
+          <p:spPr>
+            <a:xfrm>
+              <a:off x="8751960" y="3741840"/>
+              <a:ext cx="575640" cy="575280"/>
+            </a:xfrm>
+            <a:prstGeom prst="ellipse">
+              <a:avLst/>
+            </a:prstGeom>
+            <a:solidFill>
+              <a:srgbClr val="F2F2F2"/>
+            </a:solidFill>
+            <a:ln>
+              <a:solidFill>
+                <a:schemeClr val="tx1"/>
+              </a:solidFill>
+            </a:ln>
+          </p:spPr>
+          <p:style>
+            <a:lnRef idx="2">
+              <a:schemeClr val="accent1">
+                <a:shade val="50000"/>
+              </a:schemeClr>
+            </a:lnRef>
+            <a:fillRef idx="1">
+              <a:schemeClr val="accent1"/>
+            </a:fillRef>
+            <a:effectRef idx="0">
+              <a:schemeClr val="accent1"/>
+            </a:effectRef>
+            <a:fontRef idx="minor"/>
+          </p:style>
+          <p:txBody>
+            <a:bodyPr lIns="90000" tIns="45000" rIns="90000" bIns="45000" anchor="ctr">
+              <a:noAutofit/>
+            </a:bodyPr>
+            <a:lstStyle/>
+            <a:p>
+              <a:pPr algn="ctr">
+                <a:lnSpc>
+                  <a:spcPct val="100000"/>
+                </a:lnSpc>
+              </a:pPr>
+              <a:endParaRPr lang="en-AU" sz="1600" b="0" strike="noStrike" spc="-1" dirty="0">
+                <a:latin typeface="Arial"/>
+              </a:endParaRPr>
+            </a:p>
+          </p:txBody>
+        </p:sp>
+        <p:sp>
+          <p:nvSpPr>
+            <p:cNvPr id="61" name="Line 21"/>
+            <p:cNvSpPr/>
+            <p:nvPr/>
+          </p:nvSpPr>
+          <p:spPr>
+            <a:xfrm>
+              <a:off x="8254080" y="3047760"/>
+              <a:ext cx="582120" cy="778320"/>
+            </a:xfrm>
+            <a:prstGeom prst="line">
+              <a:avLst/>
+            </a:prstGeom>
+            <a:ln w="12700">
+              <a:solidFill>
+                <a:schemeClr val="tx1"/>
+              </a:solidFill>
+            </a:ln>
+          </p:spPr>
+          <p:style>
+            <a:lnRef idx="1">
+              <a:schemeClr val="accent1"/>
+            </a:lnRef>
+            <a:fillRef idx="0">
+              <a:schemeClr val="accent1"/>
+            </a:fillRef>
+            <a:effectRef idx="0">
+              <a:schemeClr val="accent1"/>
+            </a:effectRef>
+            <a:fontRef idx="minor"/>
+          </p:style>
+        </p:sp>
+        <p:sp>
+          <p:nvSpPr>
+            <p:cNvPr id="62" name="Line 22"/>
+            <p:cNvSpPr/>
+            <p:nvPr/>
+          </p:nvSpPr>
+          <p:spPr>
+            <a:xfrm flipH="1">
+              <a:off x="7264800" y="3047760"/>
+              <a:ext cx="582120" cy="778320"/>
+            </a:xfrm>
+            <a:prstGeom prst="line">
+              <a:avLst/>
+            </a:prstGeom>
+            <a:ln w="12700">
+              <a:solidFill>
+                <a:schemeClr val="tx1"/>
+              </a:solidFill>
+            </a:ln>
+          </p:spPr>
+          <p:style>
+            <a:lnRef idx="1">
+              <a:schemeClr val="accent1"/>
+            </a:lnRef>
+            <a:fillRef idx="0">
+              <a:schemeClr val="accent1"/>
+            </a:fillRef>
+            <a:effectRef idx="0">
+              <a:schemeClr val="accent1"/>
+            </a:effectRef>
+            <a:fontRef idx="minor"/>
+          </p:style>
+        </p:sp>
+        <p:sp>
+          <p:nvSpPr>
+            <p:cNvPr id="63" name="CustomShape 23"/>
+            <p:cNvSpPr/>
+            <p:nvPr/>
+          </p:nvSpPr>
+          <p:spPr>
+            <a:xfrm>
+              <a:off x="10088640" y="1513440"/>
+              <a:ext cx="754920" cy="272880"/>
+            </a:xfrm>
+            <a:prstGeom prst="rect">
+              <a:avLst/>
+            </a:prstGeom>
+            <a:noFill/>
+            <a:ln>
+              <a:noFill/>
+            </a:ln>
+          </p:spPr>
+          <p:style>
+            <a:lnRef idx="0">
+              <a:scrgbClr r="0" g="0" b="0"/>
+            </a:lnRef>
+            <a:fillRef idx="0">
+              <a:scrgbClr r="0" g="0" b="0"/>
+            </a:fillRef>
+            <a:effectRef idx="0">
+              <a:scrgbClr r="0" g="0" b="0"/>
+            </a:effectRef>
+            <a:fontRef idx="minor"/>
+          </p:style>
+          <p:txBody>
+            <a:bodyPr lIns="90000" tIns="45000" rIns="90000" bIns="45000">
+              <a:spAutoFit/>
+            </a:bodyPr>
+            <a:lstStyle/>
+            <a:p>
+              <a:pPr>
+                <a:lnSpc>
+                  <a:spcPct val="100000"/>
+                </a:lnSpc>
+              </a:pPr>
+              <a:r>
+                <a:rPr lang="en-GB" sz="1200" b="0" strike="noStrike" spc="-1">
+                  <a:solidFill>
+                    <a:schemeClr val="bg1"/>
+                  </a:solidFill>
+                  <a:latin typeface="Calibri"/>
+                </a:rPr>
+                <a:t>Level 0</a:t>
+              </a:r>
+              <a:endParaRPr lang="en-AU" sz="1200" b="0" strike="noStrike" spc="-1">
+                <a:solidFill>
+                  <a:schemeClr val="bg1"/>
+                </a:solidFill>
+                <a:latin typeface="Arial"/>
+              </a:endParaRPr>
+            </a:p>
+          </p:txBody>
+        </p:sp>
+        <p:sp>
+          <p:nvSpPr>
+            <p:cNvPr id="64" name="CustomShape 24"/>
+            <p:cNvSpPr/>
+            <p:nvPr/>
+          </p:nvSpPr>
+          <p:spPr>
+            <a:xfrm>
+              <a:off x="10088640" y="2702520"/>
+              <a:ext cx="754920" cy="272880"/>
+            </a:xfrm>
+            <a:prstGeom prst="rect">
+              <a:avLst/>
+            </a:prstGeom>
+            <a:noFill/>
+            <a:ln>
+              <a:noFill/>
+            </a:ln>
+          </p:spPr>
+          <p:style>
+            <a:lnRef idx="0">
+              <a:scrgbClr r="0" g="0" b="0"/>
+            </a:lnRef>
+            <a:fillRef idx="0">
+              <a:scrgbClr r="0" g="0" b="0"/>
+            </a:fillRef>
+            <a:effectRef idx="0">
+              <a:scrgbClr r="0" g="0" b="0"/>
+            </a:effectRef>
+            <a:fontRef idx="minor"/>
+          </p:style>
+          <p:txBody>
+            <a:bodyPr lIns="90000" tIns="45000" rIns="90000" bIns="45000">
+              <a:spAutoFit/>
+            </a:bodyPr>
+            <a:lstStyle/>
+            <a:p>
+              <a:pPr>
+                <a:lnSpc>
+                  <a:spcPct val="100000"/>
+                </a:lnSpc>
+              </a:pPr>
+              <a:r>
+                <a:rPr lang="en-GB" sz="1200" b="0" strike="noStrike" spc="-1">
+                  <a:solidFill>
+                    <a:schemeClr val="bg1"/>
+                  </a:solidFill>
+                  <a:latin typeface="Calibri"/>
+                </a:rPr>
+                <a:t>Level 1</a:t>
+              </a:r>
+              <a:endParaRPr lang="en-AU" sz="1200" b="0" strike="noStrike" spc="-1">
+                <a:solidFill>
+                  <a:schemeClr val="bg1"/>
+                </a:solidFill>
+                <a:latin typeface="Arial"/>
+              </a:endParaRPr>
+            </a:p>
+          </p:txBody>
+        </p:sp>
+        <p:sp>
+          <p:nvSpPr>
+            <p:cNvPr id="65" name="CustomShape 25"/>
+            <p:cNvSpPr/>
+            <p:nvPr/>
+          </p:nvSpPr>
+          <p:spPr>
+            <a:xfrm>
+              <a:off x="10088640" y="3893400"/>
+              <a:ext cx="754920" cy="272880"/>
+            </a:xfrm>
+            <a:prstGeom prst="rect">
+              <a:avLst/>
+            </a:prstGeom>
+            <a:noFill/>
+            <a:ln>
+              <a:noFill/>
+            </a:ln>
+          </p:spPr>
+          <p:style>
+            <a:lnRef idx="0">
+              <a:scrgbClr r="0" g="0" b="0"/>
+            </a:lnRef>
+            <a:fillRef idx="0">
+              <a:scrgbClr r="0" g="0" b="0"/>
+            </a:fillRef>
+            <a:effectRef idx="0">
+              <a:scrgbClr r="0" g="0" b="0"/>
+            </a:effectRef>
+            <a:fontRef idx="minor"/>
+          </p:style>
+          <p:txBody>
+            <a:bodyPr lIns="90000" tIns="45000" rIns="90000" bIns="45000">
+              <a:spAutoFit/>
+            </a:bodyPr>
+            <a:lstStyle/>
+            <a:p>
+              <a:pPr>
+                <a:lnSpc>
+                  <a:spcPct val="100000"/>
+                </a:lnSpc>
+              </a:pPr>
+              <a:r>
+                <a:rPr lang="en-GB" sz="1200" b="0" strike="noStrike" spc="-1">
+                  <a:solidFill>
+                    <a:schemeClr val="bg1"/>
+                  </a:solidFill>
+                  <a:latin typeface="Calibri"/>
+                </a:rPr>
+                <a:t>Level 2</a:t>
+              </a:r>
+              <a:endParaRPr lang="en-AU" sz="1200" b="0" strike="noStrike" spc="-1">
+                <a:solidFill>
+                  <a:schemeClr val="bg1"/>
+                </a:solidFill>
+                <a:latin typeface="Arial"/>
+              </a:endParaRPr>
+            </a:p>
+          </p:txBody>
+        </p:sp>
+        <p:sp>
+          <p:nvSpPr>
+            <p:cNvPr id="66" name="CustomShape 26"/>
+            <p:cNvSpPr/>
+            <p:nvPr/>
+          </p:nvSpPr>
+          <p:spPr>
+            <a:xfrm>
+              <a:off x="10088640" y="5079600"/>
+              <a:ext cx="754920" cy="272880"/>
+            </a:xfrm>
+            <a:prstGeom prst="rect">
+              <a:avLst/>
+            </a:prstGeom>
+            <a:noFill/>
+            <a:ln>
+              <a:noFill/>
+            </a:ln>
+          </p:spPr>
+          <p:style>
+            <a:lnRef idx="0">
+              <a:scrgbClr r="0" g="0" b="0"/>
+            </a:lnRef>
+            <a:fillRef idx="0">
+              <a:scrgbClr r="0" g="0" b="0"/>
+            </a:fillRef>
+            <a:effectRef idx="0">
+              <a:scrgbClr r="0" g="0" b="0"/>
+            </a:effectRef>
+            <a:fontRef idx="minor"/>
+          </p:style>
+          <p:txBody>
+            <a:bodyPr lIns="90000" tIns="45000" rIns="90000" bIns="45000">
+              <a:spAutoFit/>
+            </a:bodyPr>
+            <a:lstStyle/>
+            <a:p>
+              <a:pPr>
+                <a:lnSpc>
+                  <a:spcPct val="100000"/>
+                </a:lnSpc>
+              </a:pPr>
+              <a:r>
+                <a:rPr lang="en-GB" sz="1200" b="0" strike="noStrike" spc="-1">
+                  <a:solidFill>
+                    <a:schemeClr val="bg1"/>
+                  </a:solidFill>
+                  <a:latin typeface="Calibri"/>
+                </a:rPr>
+                <a:t>Level 3</a:t>
+              </a:r>
+              <a:endParaRPr lang="en-AU" sz="1200" b="0" strike="noStrike" spc="-1">
+                <a:solidFill>
+                  <a:schemeClr val="bg1"/>
+                </a:solidFill>
+                <a:latin typeface="Arial"/>
+              </a:endParaRPr>
+            </a:p>
+          </p:txBody>
+        </p:sp>
+        <p:sp>
+          <p:nvSpPr>
+            <p:cNvPr id="67" name="CustomShape 27"/>
+            <p:cNvSpPr/>
+            <p:nvPr/>
+          </p:nvSpPr>
+          <p:spPr>
+            <a:xfrm flipV="1">
+              <a:off x="4145580" y="4541548"/>
+              <a:ext cx="360" cy="1238760"/>
+            </a:xfrm>
+            <a:custGeom>
+              <a:avLst/>
+              <a:gdLst/>
+              <a:ahLst/>
+              <a:cxnLst/>
+              <a:rect l="l" t="t" r="r" b="b"/>
+              <a:pathLst>
+                <a:path w="21600" h="21600">
+                  <a:moveTo>
+                    <a:pt x="0" y="0"/>
+                  </a:moveTo>
+                  <a:lnTo>
+                    <a:pt x="21600" y="21600"/>
+                  </a:lnTo>
+                </a:path>
+              </a:pathLst>
+            </a:custGeom>
+            <a:noFill/>
+            <a:ln w="12600">
+              <a:solidFill>
+                <a:schemeClr val="bg1"/>
+              </a:solidFill>
+              <a:prstDash val="dash"/>
+              <a:tailEnd type="triangle" w="med" len="med"/>
+            </a:ln>
+          </p:spPr>
+          <p:style>
+            <a:lnRef idx="1">
+              <a:schemeClr val="dk1"/>
+            </a:lnRef>
+            <a:fillRef idx="0">
+              <a:schemeClr val="dk1"/>
+            </a:fillRef>
+            <a:effectRef idx="0">
+              <a:schemeClr val="dk1"/>
+            </a:effectRef>
+            <a:fontRef idx="minor"/>
+          </p:style>
+        </p:sp>
+        <p:sp>
+          <p:nvSpPr>
+            <p:cNvPr id="68" name="CustomShape 28"/>
+            <p:cNvSpPr/>
+            <p:nvPr/>
+          </p:nvSpPr>
+          <p:spPr>
+            <a:xfrm>
+              <a:off x="3781936" y="5780308"/>
+              <a:ext cx="754920" cy="275545"/>
+            </a:xfrm>
+            <a:prstGeom prst="rect">
+              <a:avLst/>
+            </a:prstGeom>
+            <a:noFill/>
+            <a:ln>
+              <a:noFill/>
+            </a:ln>
+          </p:spPr>
+          <p:style>
+            <a:lnRef idx="0">
+              <a:scrgbClr r="0" g="0" b="0"/>
+            </a:lnRef>
+            <a:fillRef idx="0">
+              <a:scrgbClr r="0" g="0" b="0"/>
+            </a:fillRef>
+            <a:effectRef idx="0">
+              <a:scrgbClr r="0" g="0" b="0"/>
+            </a:effectRef>
+            <a:fontRef idx="minor"/>
+          </p:style>
+          <p:txBody>
+            <a:bodyPr lIns="90000" tIns="45000" rIns="90000" bIns="45000">
+              <a:spAutoFit/>
+            </a:bodyPr>
+            <a:lstStyle/>
+            <a:p>
+              <a:pPr>
+                <a:lnSpc>
+                  <a:spcPct val="100000"/>
+                </a:lnSpc>
+              </a:pPr>
+              <a:r>
+                <a:rPr lang="en-GB" sz="1200" b="0" strike="noStrike" spc="-1" dirty="0">
+                  <a:solidFill>
+                    <a:schemeClr val="bg1"/>
+                  </a:solidFill>
+                  <a:latin typeface="Calibri"/>
+                </a:rPr>
+                <a:t>Sub-tree</a:t>
+              </a:r>
+              <a:endParaRPr lang="en-AU" sz="1200" b="0" strike="noStrike" spc="-1" dirty="0">
+                <a:solidFill>
+                  <a:schemeClr val="bg1"/>
+                </a:solidFill>
+                <a:latin typeface="Arial"/>
+              </a:endParaRPr>
+            </a:p>
+          </p:txBody>
+        </p:sp>
+        <p:sp>
+          <p:nvSpPr>
+            <p:cNvPr id="69" name="CustomShape 29"/>
+            <p:cNvSpPr/>
+            <p:nvPr/>
+          </p:nvSpPr>
+          <p:spPr>
+            <a:xfrm>
+              <a:off x="700560" y="3878680"/>
+              <a:ext cx="893160" cy="275545"/>
+            </a:xfrm>
+            <a:prstGeom prst="rect">
+              <a:avLst/>
+            </a:prstGeom>
+            <a:noFill/>
+            <a:ln>
+              <a:noFill/>
+            </a:ln>
+          </p:spPr>
+          <p:style>
+            <a:lnRef idx="0">
+              <a:scrgbClr r="0" g="0" b="0"/>
+            </a:lnRef>
+            <a:fillRef idx="0">
+              <a:scrgbClr r="0" g="0" b="0"/>
+            </a:fillRef>
+            <a:effectRef idx="0">
+              <a:scrgbClr r="0" g="0" b="0"/>
+            </a:effectRef>
+            <a:fontRef idx="minor"/>
+          </p:style>
+          <p:txBody>
+            <a:bodyPr lIns="90000" tIns="45000" rIns="90000" bIns="45000">
+              <a:spAutoFit/>
+            </a:bodyPr>
+            <a:lstStyle/>
+            <a:p>
+              <a:pPr algn="r">
+                <a:lnSpc>
+                  <a:spcPct val="100000"/>
+                </a:lnSpc>
+              </a:pPr>
+              <a:r>
+                <a:rPr lang="en-GB" sz="1200" b="0" strike="noStrike" spc="-1" dirty="0">
+                  <a:solidFill>
+                    <a:schemeClr val="bg1"/>
+                  </a:solidFill>
+                  <a:latin typeface="Calibri"/>
+                </a:rPr>
+                <a:t>Child Node</a:t>
+              </a:r>
+              <a:endParaRPr lang="en-AU" sz="1200" b="0" strike="noStrike" spc="-1" dirty="0">
+                <a:solidFill>
+                  <a:schemeClr val="bg1"/>
+                </a:solidFill>
+                <a:latin typeface="Arial"/>
+              </a:endParaRPr>
+            </a:p>
+          </p:txBody>
+        </p:sp>
+        <p:sp>
+          <p:nvSpPr>
+            <p:cNvPr id="70" name="CustomShape 30"/>
+            <p:cNvSpPr/>
+            <p:nvPr/>
+          </p:nvSpPr>
+          <p:spPr>
+            <a:xfrm>
+              <a:off x="748440" y="2703960"/>
+              <a:ext cx="1244520" cy="272880"/>
+            </a:xfrm>
+            <a:prstGeom prst="rect">
+              <a:avLst/>
+            </a:prstGeom>
+            <a:noFill/>
+            <a:ln>
+              <a:noFill/>
+            </a:ln>
+          </p:spPr>
+          <p:style>
+            <a:lnRef idx="0">
+              <a:scrgbClr r="0" g="0" b="0"/>
+            </a:lnRef>
+            <a:fillRef idx="0">
+              <a:scrgbClr r="0" g="0" b="0"/>
+            </a:fillRef>
+            <a:effectRef idx="0">
+              <a:scrgbClr r="0" g="0" b="0"/>
+            </a:effectRef>
+            <a:fontRef idx="minor"/>
+          </p:style>
+          <p:txBody>
+            <a:bodyPr lIns="90000" tIns="45000" rIns="90000" bIns="45000">
+              <a:spAutoFit/>
+            </a:bodyPr>
+            <a:lstStyle/>
+            <a:p>
+              <a:pPr algn="r">
+                <a:lnSpc>
+                  <a:spcPct val="100000"/>
+                </a:lnSpc>
+              </a:pPr>
+              <a:r>
+                <a:rPr lang="en-GB" sz="1200" b="0" strike="noStrike" spc="-1">
+                  <a:solidFill>
+                    <a:schemeClr val="bg1"/>
+                  </a:solidFill>
+                  <a:latin typeface="Calibri"/>
+                </a:rPr>
+                <a:t>Parent Node</a:t>
+              </a:r>
+              <a:endParaRPr lang="en-AU" sz="1200" b="0" strike="noStrike" spc="-1">
+                <a:solidFill>
+                  <a:schemeClr val="bg1"/>
+                </a:solidFill>
+                <a:latin typeface="Arial"/>
+              </a:endParaRPr>
+            </a:p>
+          </p:txBody>
+        </p:sp>
+        <p:sp>
+          <p:nvSpPr>
+            <p:cNvPr id="71" name="CustomShape 31"/>
+            <p:cNvSpPr/>
+            <p:nvPr/>
+          </p:nvSpPr>
+          <p:spPr>
+            <a:xfrm flipV="1">
+              <a:off x="7057800" y="4317120"/>
+              <a:ext cx="0" cy="1545480"/>
+            </a:xfrm>
+            <a:custGeom>
+              <a:avLst/>
+              <a:gdLst/>
+              <a:ahLst/>
+              <a:cxnLst/>
+              <a:rect l="l" t="t" r="r" b="b"/>
+              <a:pathLst>
+                <a:path w="21600" h="21600">
+                  <a:moveTo>
+                    <a:pt x="0" y="0"/>
+                  </a:moveTo>
+                  <a:lnTo>
+                    <a:pt x="21600" y="21600"/>
+                  </a:lnTo>
+                </a:path>
+              </a:pathLst>
+            </a:custGeom>
+            <a:noFill/>
+            <a:ln w="12600">
+              <a:solidFill>
+                <a:schemeClr val="bg1"/>
+              </a:solidFill>
+              <a:prstDash val="dash"/>
+              <a:tailEnd type="triangle" w="med" len="med"/>
+            </a:ln>
+          </p:spPr>
+          <p:style>
+            <a:lnRef idx="1">
+              <a:schemeClr val="dk1"/>
+            </a:lnRef>
+            <a:fillRef idx="0">
+              <a:schemeClr val="dk1"/>
+            </a:fillRef>
+            <a:effectRef idx="0">
+              <a:schemeClr val="dk1"/>
+            </a:effectRef>
+            <a:fontRef idx="minor"/>
+          </p:style>
+        </p:sp>
+        <p:sp>
+          <p:nvSpPr>
+            <p:cNvPr id="72" name="CustomShape 32"/>
+            <p:cNvSpPr/>
+            <p:nvPr/>
+          </p:nvSpPr>
+          <p:spPr>
+            <a:xfrm>
+              <a:off x="6663600" y="5910480"/>
+              <a:ext cx="950040" cy="272880"/>
+            </a:xfrm>
+            <a:prstGeom prst="rect">
+              <a:avLst/>
+            </a:prstGeom>
+            <a:noFill/>
+            <a:ln>
+              <a:noFill/>
+            </a:ln>
+          </p:spPr>
+          <p:style>
+            <a:lnRef idx="0">
+              <a:scrgbClr r="0" g="0" b="0"/>
+            </a:lnRef>
+            <a:fillRef idx="0">
+              <a:scrgbClr r="0" g="0" b="0"/>
+            </a:fillRef>
+            <a:effectRef idx="0">
+              <a:scrgbClr r="0" g="0" b="0"/>
+            </a:effectRef>
+            <a:fontRef idx="minor"/>
+          </p:style>
+          <p:txBody>
+            <a:bodyPr lIns="90000" tIns="45000" rIns="90000" bIns="45000">
+              <a:spAutoFit/>
+            </a:bodyPr>
+            <a:lstStyle/>
+            <a:p>
+              <a:pPr>
+                <a:lnSpc>
+                  <a:spcPct val="100000"/>
+                </a:lnSpc>
+              </a:pPr>
+              <a:r>
+                <a:rPr lang="en-GB" sz="1200" b="0" strike="noStrike" spc="-1">
+                  <a:solidFill>
+                    <a:schemeClr val="bg1"/>
+                  </a:solidFill>
+                  <a:latin typeface="Calibri"/>
+                </a:rPr>
+                <a:t>Leaf Node</a:t>
+              </a:r>
+              <a:endParaRPr lang="en-AU" sz="1200" b="0" strike="noStrike" spc="-1">
+                <a:solidFill>
+                  <a:schemeClr val="bg1"/>
+                </a:solidFill>
+                <a:latin typeface="Arial"/>
+              </a:endParaRPr>
+            </a:p>
+          </p:txBody>
+        </p:sp>
+        <p:sp>
+          <p:nvSpPr>
+            <p:cNvPr id="73" name="CustomShape 33"/>
+            <p:cNvSpPr/>
+            <p:nvPr/>
+          </p:nvSpPr>
+          <p:spPr>
+            <a:xfrm>
+              <a:off x="7349040" y="4029840"/>
+              <a:ext cx="1402200" cy="360"/>
+            </a:xfrm>
+            <a:custGeom>
+              <a:avLst/>
+              <a:gdLst/>
+              <a:ahLst/>
+              <a:cxnLst/>
+              <a:rect l="l" t="t" r="r" b="b"/>
+              <a:pathLst>
+                <a:path w="21600" h="21600">
+                  <a:moveTo>
+                    <a:pt x="0" y="0"/>
+                  </a:moveTo>
+                  <a:lnTo>
+                    <a:pt x="21600" y="21600"/>
+                  </a:lnTo>
+                </a:path>
+              </a:pathLst>
+            </a:custGeom>
+            <a:noFill/>
+            <a:ln w="12600">
+              <a:solidFill>
+                <a:schemeClr val="bg1"/>
+              </a:solidFill>
+              <a:prstDash val="dash"/>
+              <a:headEnd type="triangle" w="med" len="med"/>
+              <a:tailEnd type="triangle" w="med" len="med"/>
+            </a:ln>
+          </p:spPr>
+          <p:style>
+            <a:lnRef idx="1">
+              <a:schemeClr val="dk1"/>
+            </a:lnRef>
+            <a:fillRef idx="0">
+              <a:schemeClr val="dk1"/>
+            </a:fillRef>
+            <a:effectRef idx="0">
+              <a:schemeClr val="dk1"/>
+            </a:effectRef>
+            <a:fontRef idx="minor"/>
+          </p:style>
+        </p:sp>
+        <p:sp>
+          <p:nvSpPr>
+            <p:cNvPr id="74" name="CustomShape 34"/>
+            <p:cNvSpPr/>
+            <p:nvPr/>
+          </p:nvSpPr>
+          <p:spPr>
+            <a:xfrm>
+              <a:off x="7720200" y="3891240"/>
+              <a:ext cx="659880" cy="275545"/>
+            </a:xfrm>
+            <a:prstGeom prst="rect">
+              <a:avLst/>
+            </a:prstGeom>
+            <a:solidFill>
+              <a:srgbClr val="83888E"/>
+            </a:solidFill>
+            <a:ln>
+              <a:noFill/>
+            </a:ln>
+          </p:spPr>
+          <p:style>
+            <a:lnRef idx="0">
+              <a:scrgbClr r="0" g="0" b="0"/>
+            </a:lnRef>
+            <a:fillRef idx="0">
+              <a:scrgbClr r="0" g="0" b="0"/>
+            </a:fillRef>
+            <a:effectRef idx="0">
+              <a:scrgbClr r="0" g="0" b="0"/>
+            </a:effectRef>
+            <a:fontRef idx="minor"/>
+          </p:style>
+          <p:txBody>
+            <a:bodyPr lIns="90000" tIns="45000" rIns="90000" bIns="45000">
+              <a:spAutoFit/>
+            </a:bodyPr>
+            <a:lstStyle/>
+            <a:p>
+              <a:pPr algn="ctr">
+                <a:lnSpc>
+                  <a:spcPct val="100000"/>
+                </a:lnSpc>
+              </a:pPr>
+              <a:r>
+                <a:rPr lang="en-GB" sz="1200" b="0" strike="noStrike" spc="-1">
+                  <a:solidFill>
+                    <a:schemeClr val="bg1"/>
+                  </a:solidFill>
+                  <a:latin typeface="Calibri"/>
+                </a:rPr>
+                <a:t>Siblings</a:t>
+              </a:r>
+              <a:endParaRPr lang="en-AU" sz="1200" b="0" strike="noStrike" spc="-1">
+                <a:solidFill>
+                  <a:schemeClr val="bg1"/>
+                </a:solidFill>
+                <a:latin typeface="Arial"/>
+              </a:endParaRPr>
+            </a:p>
+          </p:txBody>
+        </p:sp>
+        <p:sp>
+          <p:nvSpPr>
+            <p:cNvPr id="75" name="CustomShape 35"/>
+            <p:cNvSpPr/>
+            <p:nvPr/>
+          </p:nvSpPr>
+          <p:spPr>
+            <a:xfrm>
+              <a:off x="1993680" y="2835982"/>
+              <a:ext cx="1860120" cy="1440"/>
+            </a:xfrm>
+            <a:custGeom>
+              <a:avLst/>
+              <a:gdLst/>
+              <a:ahLst/>
+              <a:cxnLst/>
+              <a:rect l="l" t="t" r="r" b="b"/>
+              <a:pathLst>
+                <a:path w="21600" h="21600">
+                  <a:moveTo>
+                    <a:pt x="0" y="0"/>
+                  </a:moveTo>
+                  <a:lnTo>
+                    <a:pt x="21600" y="21600"/>
+                  </a:lnTo>
+                </a:path>
+              </a:pathLst>
+            </a:custGeom>
+            <a:noFill/>
+            <a:ln w="12700">
+              <a:solidFill>
+                <a:schemeClr val="bg1"/>
+              </a:solidFill>
+              <a:prstDash val="dash"/>
+              <a:tailEnd type="triangle" w="med" len="med"/>
+            </a:ln>
+          </p:spPr>
+          <p:style>
+            <a:lnRef idx="1">
+              <a:schemeClr val="dk1"/>
+            </a:lnRef>
+            <a:fillRef idx="0">
+              <a:schemeClr val="dk1"/>
+            </a:fillRef>
+            <a:effectRef idx="0">
+              <a:schemeClr val="dk1"/>
+            </a:effectRef>
+            <a:fontRef idx="minor"/>
+          </p:style>
+        </p:sp>
+        <p:sp>
+          <p:nvSpPr>
+            <p:cNvPr id="76" name="CustomShape 36"/>
+            <p:cNvSpPr/>
+            <p:nvPr/>
+          </p:nvSpPr>
+          <p:spPr>
+            <a:xfrm>
+              <a:off x="1579102" y="4023262"/>
+              <a:ext cx="870840" cy="3240"/>
+            </a:xfrm>
+            <a:custGeom>
+              <a:avLst/>
+              <a:gdLst/>
+              <a:ahLst/>
+              <a:cxnLst/>
+              <a:rect l="l" t="t" r="r" b="b"/>
+              <a:pathLst>
+                <a:path w="21600" h="21600">
+                  <a:moveTo>
+                    <a:pt x="0" y="0"/>
+                  </a:moveTo>
+                  <a:lnTo>
+                    <a:pt x="21600" y="21600"/>
+                  </a:lnTo>
+                </a:path>
+              </a:pathLst>
+            </a:custGeom>
+            <a:noFill/>
+            <a:ln w="12700">
+              <a:solidFill>
+                <a:schemeClr val="bg1"/>
+              </a:solidFill>
+              <a:prstDash val="dash"/>
+              <a:tailEnd type="triangle" w="med" len="med"/>
+            </a:ln>
+          </p:spPr>
+          <p:style>
+            <a:lnRef idx="1">
+              <a:schemeClr val="dk1"/>
+            </a:lnRef>
+            <a:fillRef idx="0">
+              <a:schemeClr val="dk1"/>
+            </a:fillRef>
+            <a:effectRef idx="0">
+              <a:schemeClr val="dk1"/>
+            </a:effectRef>
+            <a:fontRef idx="minor"/>
+          </p:style>
+        </p:sp>
+        <p:sp>
+          <p:nvSpPr>
+            <p:cNvPr id="77" name="CustomShape 37"/>
+            <p:cNvSpPr/>
+            <p:nvPr/>
+          </p:nvSpPr>
+          <p:spPr>
+            <a:xfrm>
+              <a:off x="5648760" y="769680"/>
+              <a:ext cx="894960" cy="275545"/>
+            </a:xfrm>
+            <a:prstGeom prst="rect">
+              <a:avLst/>
+            </a:prstGeom>
+            <a:noFill/>
+            <a:ln>
+              <a:noFill/>
+            </a:ln>
+          </p:spPr>
+          <p:style>
+            <a:lnRef idx="0">
+              <a:scrgbClr r="0" g="0" b="0"/>
+            </a:lnRef>
+            <a:fillRef idx="0">
+              <a:scrgbClr r="0" g="0" b="0"/>
+            </a:fillRef>
+            <a:effectRef idx="0">
+              <a:scrgbClr r="0" g="0" b="0"/>
+            </a:effectRef>
+            <a:fontRef idx="minor"/>
+          </p:style>
+          <p:txBody>
+            <a:bodyPr lIns="90000" tIns="45000" rIns="90000" bIns="45000">
+              <a:spAutoFit/>
+            </a:bodyPr>
+            <a:lstStyle/>
+            <a:p>
+              <a:pPr>
+                <a:lnSpc>
+                  <a:spcPct val="100000"/>
+                </a:lnSpc>
+              </a:pPr>
+              <a:r>
+                <a:rPr lang="en-GB" sz="1200" b="0" strike="noStrike" spc="-1" dirty="0">
+                  <a:solidFill>
+                    <a:schemeClr val="bg1"/>
+                  </a:solidFill>
+                  <a:latin typeface="Calibri"/>
+                </a:rPr>
+                <a:t>Root Node</a:t>
+              </a:r>
+              <a:endParaRPr lang="en-AU" sz="1200" b="0" strike="noStrike" spc="-1" dirty="0">
+                <a:solidFill>
+                  <a:schemeClr val="bg1"/>
+                </a:solidFill>
+                <a:latin typeface="Arial"/>
+              </a:endParaRPr>
+            </a:p>
+          </p:txBody>
+        </p:sp>
+        <p:sp>
+          <p:nvSpPr>
+            <p:cNvPr id="78" name="CustomShape 38"/>
+            <p:cNvSpPr/>
+            <p:nvPr/>
+          </p:nvSpPr>
+          <p:spPr>
+            <a:xfrm>
+              <a:off x="6096240" y="1046520"/>
+              <a:ext cx="360" cy="317160"/>
+            </a:xfrm>
+            <a:custGeom>
+              <a:avLst/>
+              <a:gdLst/>
+              <a:ahLst/>
+              <a:cxnLst/>
+              <a:rect l="l" t="t" r="r" b="b"/>
+              <a:pathLst>
+                <a:path w="21600" h="21600">
+                  <a:moveTo>
+                    <a:pt x="0" y="0"/>
+                  </a:moveTo>
+                  <a:lnTo>
+                    <a:pt x="21600" y="21600"/>
+                  </a:lnTo>
+                </a:path>
+              </a:pathLst>
+            </a:custGeom>
+            <a:noFill/>
+            <a:ln w="12600">
+              <a:solidFill>
+                <a:schemeClr val="bg1"/>
+              </a:solidFill>
+              <a:prstDash val="dash"/>
+              <a:tailEnd type="triangle" w="med" len="med"/>
+            </a:ln>
+          </p:spPr>
+          <p:style>
+            <a:lnRef idx="1">
+              <a:schemeClr val="dk1"/>
+            </a:lnRef>
+            <a:fillRef idx="0">
+              <a:schemeClr val="dk1"/>
+            </a:fillRef>
+            <a:effectRef idx="0">
+              <a:schemeClr val="dk1"/>
+            </a:effectRef>
+            <a:fontRef idx="minor"/>
+          </p:style>
+        </p:sp>
+        <p:sp>
+          <p:nvSpPr>
+            <p:cNvPr id="79" name="CustomShape 39"/>
+            <p:cNvSpPr/>
+            <p:nvPr/>
+          </p:nvSpPr>
+          <p:spPr>
+            <a:xfrm>
+              <a:off x="6909480" y="948960"/>
+              <a:ext cx="527040" cy="275545"/>
+            </a:xfrm>
+            <a:prstGeom prst="rect">
+              <a:avLst/>
+            </a:prstGeom>
+            <a:noFill/>
+            <a:ln>
+              <a:noFill/>
+            </a:ln>
+          </p:spPr>
+          <p:style>
+            <a:lnRef idx="0">
+              <a:scrgbClr r="0" g="0" b="0"/>
+            </a:lnRef>
+            <a:fillRef idx="0">
+              <a:scrgbClr r="0" g="0" b="0"/>
+            </a:fillRef>
+            <a:effectRef idx="0">
+              <a:scrgbClr r="0" g="0" b="0"/>
+            </a:effectRef>
+            <a:fontRef idx="minor"/>
+          </p:style>
+          <p:txBody>
+            <a:bodyPr lIns="90000" tIns="45000" rIns="90000" bIns="45000">
+              <a:spAutoFit/>
+            </a:bodyPr>
+            <a:lstStyle/>
+            <a:p>
+              <a:pPr>
+                <a:lnSpc>
+                  <a:spcPct val="100000"/>
+                </a:lnSpc>
+              </a:pPr>
+              <a:r>
+                <a:rPr lang="en-GB" sz="1200" b="0" strike="noStrike" spc="-1">
+                  <a:solidFill>
+                    <a:schemeClr val="bg1"/>
+                  </a:solidFill>
+                  <a:latin typeface="Calibri"/>
+                </a:rPr>
+                <a:t>Edge</a:t>
+              </a:r>
+              <a:endParaRPr lang="en-AU" sz="1200" b="0" strike="noStrike" spc="-1">
+                <a:solidFill>
+                  <a:schemeClr val="bg1"/>
+                </a:solidFill>
+                <a:latin typeface="Arial"/>
+              </a:endParaRPr>
+            </a:p>
+          </p:txBody>
+        </p:sp>
+        <p:sp>
+          <p:nvSpPr>
+            <p:cNvPr id="80" name="CustomShape 40"/>
+            <p:cNvSpPr/>
+            <p:nvPr/>
+          </p:nvSpPr>
+          <p:spPr>
+            <a:xfrm>
+              <a:off x="7137000" y="1278000"/>
+              <a:ext cx="360" cy="934920"/>
+            </a:xfrm>
+            <a:custGeom>
+              <a:avLst/>
+              <a:gdLst/>
+              <a:ahLst/>
+              <a:cxnLst/>
+              <a:rect l="l" t="t" r="r" b="b"/>
+              <a:pathLst>
+                <a:path w="21600" h="21600">
+                  <a:moveTo>
+                    <a:pt x="0" y="0"/>
+                  </a:moveTo>
+                  <a:lnTo>
+                    <a:pt x="21600" y="21600"/>
+                  </a:lnTo>
+                </a:path>
+              </a:pathLst>
+            </a:custGeom>
+            <a:noFill/>
+            <a:ln w="12600">
+              <a:solidFill>
+                <a:schemeClr val="bg1"/>
+              </a:solidFill>
+              <a:prstDash val="dash"/>
+              <a:tailEnd type="triangle" w="med" len="med"/>
+            </a:ln>
+          </p:spPr>
+          <p:style>
+            <a:lnRef idx="1">
+              <a:schemeClr val="dk1"/>
+            </a:lnRef>
+            <a:fillRef idx="0">
+              <a:schemeClr val="dk1"/>
+            </a:fillRef>
+            <a:effectRef idx="0">
+              <a:schemeClr val="dk1"/>
+            </a:effectRef>
+            <a:fontRef idx="minor"/>
+          </p:style>
+        </p:sp>
+        <p:sp>
+          <p:nvSpPr>
+            <p:cNvPr id="82" name="CustomShape 42"/>
+            <p:cNvSpPr/>
+            <p:nvPr/>
+          </p:nvSpPr>
+          <p:spPr>
+            <a:xfrm>
+              <a:off x="7762680" y="2556360"/>
+              <a:ext cx="575280" cy="575280"/>
+            </a:xfrm>
+            <a:prstGeom prst="ellipse">
+              <a:avLst/>
+            </a:prstGeom>
+            <a:solidFill>
+              <a:srgbClr val="F2F2F2"/>
+            </a:solidFill>
+            <a:ln>
+              <a:solidFill>
+                <a:schemeClr val="tx1"/>
+              </a:solidFill>
+            </a:ln>
+          </p:spPr>
+          <p:style>
+            <a:lnRef idx="2">
+              <a:schemeClr val="accent1">
+                <a:shade val="50000"/>
+              </a:schemeClr>
+            </a:lnRef>
+            <a:fillRef idx="1">
+              <a:schemeClr val="accent1"/>
+            </a:fillRef>
+            <a:effectRef idx="0">
+              <a:schemeClr val="accent1"/>
+            </a:effectRef>
+            <a:fontRef idx="minor"/>
+          </p:style>
+          <p:txBody>
+            <a:bodyPr lIns="90000" tIns="45000" rIns="90000" bIns="45000" anchor="ctr">
+              <a:noAutofit/>
+            </a:bodyPr>
+            <a:lstStyle/>
+            <a:p>
+              <a:pPr algn="ctr">
+                <a:lnSpc>
+                  <a:spcPct val="100000"/>
+                </a:lnSpc>
+              </a:pPr>
+              <a:endParaRPr lang="en-AU" sz="1600" b="0" strike="noStrike" spc="-1" dirty="0">
+                <a:latin typeface="Arial"/>
+              </a:endParaRPr>
+            </a:p>
+          </p:txBody>
+        </p:sp>
+        <p:sp>
+          <p:nvSpPr>
+            <p:cNvPr id="83" name="CustomShape 43"/>
+            <p:cNvSpPr/>
+            <p:nvPr/>
+          </p:nvSpPr>
+          <p:spPr>
+            <a:xfrm>
+              <a:off x="3854160" y="2556360"/>
+              <a:ext cx="575280" cy="575280"/>
+            </a:xfrm>
+            <a:prstGeom prst="ellipse">
+              <a:avLst/>
+            </a:prstGeom>
+            <a:solidFill>
+              <a:srgbClr val="F2F2F2"/>
+            </a:solidFill>
+            <a:ln>
+              <a:solidFill>
+                <a:schemeClr val="tx1"/>
+              </a:solidFill>
+            </a:ln>
+          </p:spPr>
+          <p:style>
+            <a:lnRef idx="2">
+              <a:schemeClr val="accent1">
+                <a:shade val="50000"/>
+              </a:schemeClr>
+            </a:lnRef>
+            <a:fillRef idx="1">
+              <a:schemeClr val="accent1"/>
+            </a:fillRef>
+            <a:effectRef idx="0">
+              <a:schemeClr val="accent1"/>
+            </a:effectRef>
+            <a:fontRef idx="minor"/>
+          </p:style>
+          <p:txBody>
+            <a:bodyPr lIns="90000" tIns="45000" rIns="90000" bIns="45000" anchor="ctr">
+              <a:noAutofit/>
+            </a:bodyPr>
+            <a:lstStyle/>
+            <a:p>
+              <a:pPr algn="ctr">
+                <a:lnSpc>
+                  <a:spcPct val="100000"/>
+                </a:lnSpc>
+              </a:pPr>
+              <a:endParaRPr lang="en-AU" sz="1600" b="0" strike="noStrike" spc="-1" dirty="0">
+                <a:latin typeface="Arial"/>
+              </a:endParaRPr>
+            </a:p>
+          </p:txBody>
+        </p:sp>
+        <p:pic>
+          <p:nvPicPr>
+            <p:cNvPr id="6" name="Picture 5" descr="A screenshot of a computer&#10;&#10;Description automatically generated with medium confidence">
               <a:extLst>
                 <a:ext uri="{FF2B5EF4-FFF2-40B4-BE49-F238E27FC236}">
-                  <a16:creationId xmlns:a16="http://schemas.microsoft.com/office/drawing/2014/main" id="{46545588-2A9B-C958-EB6B-B9F376B5ADE9}"/>
+                  <a16:creationId xmlns:a16="http://schemas.microsoft.com/office/drawing/2014/main" id="{7246ACA5-F4F2-D498-286C-4933ABF970BC}"/>
                 </a:ext>
               </a:extLst>
             </p:cNvPr>
-            <p:cNvGrpSpPr/>
-            <p:nvPr/>
-          </p:nvGrpSpPr>
-          <p:grpSpPr>
+            <p:cNvPicPr>
+              <a:picLocks noChangeAspect="1"/>
+            </p:cNvPicPr>
+            <p:nvPr/>
+          </p:nvPicPr>
+          <p:blipFill rotWithShape="1">
+            <a:blip r:embed="rId2">
+              <a:extLst>
+                <a:ext uri="{28A0092B-C50C-407E-A947-70E740481C1C}">
+                  <a14:useLocalDpi xmlns:a14="http://schemas.microsoft.com/office/drawing/2010/main" val="0"/>
+                </a:ext>
+              </a:extLst>
+            </a:blip>
+            <a:srcRect l="18362" t="29719" r="74438" b="33659"/>
+            <a:stretch/>
+          </p:blipFill>
+          <p:spPr>
             <a:xfrm>
-              <a:off x="748440" y="769680"/>
-              <a:ext cx="10095120" cy="5460625"/>
-              <a:chOff x="748440" y="769680"/>
-              <a:chExt cx="10095120" cy="5460625"/>
-            </a:xfrm>
-          </p:grpSpPr>
-          <p:sp>
-            <p:nvSpPr>
-              <p:cNvPr id="41" name="CustomShape 1"/>
-              <p:cNvSpPr/>
-              <p:nvPr/>
-            </p:nvSpPr>
-            <p:spPr>
-              <a:xfrm>
-                <a:off x="2211120" y="1962720"/>
-                <a:ext cx="3862440" cy="2661480"/>
-              </a:xfrm>
-              <a:prstGeom prst="triangle">
-                <a:avLst>
-                  <a:gd name="adj" fmla="val 50000"/>
-                </a:avLst>
-              </a:prstGeom>
-              <a:solidFill>
-                <a:schemeClr val="tx2"/>
-              </a:solidFill>
-              <a:ln w="28575">
-                <a:solidFill>
-                  <a:schemeClr val="bg1"/>
-                </a:solidFill>
-                <a:prstDash val="dash"/>
-              </a:ln>
-            </p:spPr>
-            <p:style>
-              <a:lnRef idx="2">
-                <a:schemeClr val="accent1">
-                  <a:shade val="50000"/>
-                </a:schemeClr>
-              </a:lnRef>
-              <a:fillRef idx="1">
-                <a:schemeClr val="accent1"/>
-              </a:fillRef>
-              <a:effectRef idx="0">
-                <a:schemeClr val="accent1"/>
-              </a:effectRef>
-              <a:fontRef idx="minor"/>
-            </p:style>
-          </p:sp>
-          <p:sp>
-            <p:nvSpPr>
-              <p:cNvPr id="42" name="Line 2"/>
-              <p:cNvSpPr/>
-              <p:nvPr/>
-            </p:nvSpPr>
-            <p:spPr>
-              <a:xfrm flipH="1">
-                <a:off x="2103840" y="2840760"/>
-                <a:ext cx="7956720" cy="0"/>
-              </a:xfrm>
-              <a:prstGeom prst="line">
-                <a:avLst/>
-              </a:prstGeom>
-              <a:ln w="12700">
-                <a:solidFill>
-                  <a:schemeClr val="bg1">
-                    <a:lumMod val="65000"/>
-                  </a:schemeClr>
-                </a:solidFill>
-              </a:ln>
-            </p:spPr>
-            <p:style>
-              <a:lnRef idx="1">
-                <a:schemeClr val="accent1"/>
-              </a:lnRef>
-              <a:fillRef idx="0">
-                <a:schemeClr val="accent1"/>
-              </a:fillRef>
-              <a:effectRef idx="0">
-                <a:schemeClr val="accent1"/>
-              </a:effectRef>
-              <a:fontRef idx="minor"/>
-            </p:style>
-          </p:sp>
-          <p:sp>
-            <p:nvSpPr>
-              <p:cNvPr id="43" name="Line 3"/>
-              <p:cNvSpPr/>
-              <p:nvPr/>
-            </p:nvSpPr>
-            <p:spPr>
-              <a:xfrm flipH="1">
-                <a:off x="2103840" y="1651680"/>
-                <a:ext cx="7956720" cy="0"/>
-              </a:xfrm>
-              <a:prstGeom prst="line">
-                <a:avLst/>
-              </a:prstGeom>
-              <a:ln w="12700">
-                <a:solidFill>
-                  <a:schemeClr val="bg1">
-                    <a:lumMod val="65000"/>
-                  </a:schemeClr>
-                </a:solidFill>
-              </a:ln>
-            </p:spPr>
-            <p:style>
-              <a:lnRef idx="1">
-                <a:schemeClr val="accent1"/>
-              </a:lnRef>
-              <a:fillRef idx="0">
-                <a:schemeClr val="accent1"/>
-              </a:fillRef>
-              <a:effectRef idx="0">
-                <a:schemeClr val="accent1"/>
-              </a:effectRef>
-              <a:fontRef idx="minor"/>
-            </p:style>
-          </p:sp>
-          <p:sp>
-            <p:nvSpPr>
-              <p:cNvPr id="44" name="Line 4"/>
-              <p:cNvSpPr/>
-              <p:nvPr/>
-            </p:nvSpPr>
-            <p:spPr>
-              <a:xfrm flipH="1">
-                <a:off x="2103840" y="4029480"/>
-                <a:ext cx="7956720" cy="0"/>
-              </a:xfrm>
-              <a:prstGeom prst="line">
-                <a:avLst/>
-              </a:prstGeom>
-              <a:ln w="12700">
-                <a:solidFill>
-                  <a:schemeClr val="bg1">
-                    <a:lumMod val="65000"/>
-                  </a:schemeClr>
-                </a:solidFill>
-              </a:ln>
-            </p:spPr>
-            <p:style>
-              <a:lnRef idx="1">
-                <a:schemeClr val="accent1"/>
-              </a:lnRef>
-              <a:fillRef idx="0">
-                <a:schemeClr val="accent1"/>
-              </a:fillRef>
-              <a:effectRef idx="0">
-                <a:schemeClr val="accent1"/>
-              </a:effectRef>
-              <a:fontRef idx="minor"/>
-            </p:style>
-          </p:sp>
-          <p:sp>
-            <p:nvSpPr>
-              <p:cNvPr id="45" name="Line 5"/>
-              <p:cNvSpPr/>
-              <p:nvPr/>
-            </p:nvSpPr>
-            <p:spPr>
-              <a:xfrm flipH="1">
-                <a:off x="2103840" y="5218560"/>
-                <a:ext cx="7956720" cy="0"/>
-              </a:xfrm>
-              <a:prstGeom prst="line">
-                <a:avLst/>
-              </a:prstGeom>
-              <a:ln w="12700">
-                <a:solidFill>
-                  <a:schemeClr val="bg1">
-                    <a:lumMod val="65000"/>
-                  </a:schemeClr>
-                </a:solidFill>
-              </a:ln>
-            </p:spPr>
-            <p:style>
-              <a:lnRef idx="1">
-                <a:schemeClr val="accent1"/>
-              </a:lnRef>
-              <a:fillRef idx="0">
-                <a:schemeClr val="accent1"/>
-              </a:fillRef>
-              <a:effectRef idx="0">
-                <a:schemeClr val="accent1"/>
-              </a:effectRef>
-              <a:fontRef idx="minor"/>
-            </p:style>
-          </p:sp>
-          <p:sp>
-            <p:nvSpPr>
-              <p:cNvPr id="46" name="CustomShape 6"/>
-              <p:cNvSpPr/>
-              <p:nvPr/>
-            </p:nvSpPr>
-            <p:spPr>
-              <a:xfrm>
-                <a:off x="5808600" y="1364040"/>
-                <a:ext cx="575280" cy="575280"/>
-              </a:xfrm>
-              <a:prstGeom prst="ellipse">
-                <a:avLst/>
-              </a:prstGeom>
-              <a:solidFill>
-                <a:srgbClr val="479DFF"/>
-              </a:solidFill>
-              <a:ln>
-                <a:solidFill>
-                  <a:schemeClr val="tx1"/>
-                </a:solidFill>
-              </a:ln>
-            </p:spPr>
-            <p:style>
-              <a:lnRef idx="2">
-                <a:schemeClr val="accent1">
-                  <a:shade val="50000"/>
-                </a:schemeClr>
-              </a:lnRef>
-              <a:fillRef idx="1">
-                <a:schemeClr val="accent1"/>
-              </a:fillRef>
-              <a:effectRef idx="0">
-                <a:schemeClr val="accent1"/>
-              </a:effectRef>
-              <a:fontRef idx="minor"/>
-            </p:style>
-            <p:txBody>
-              <a:bodyPr lIns="90000" tIns="45000" rIns="90000" bIns="45000" anchor="ctr">
-                <a:noAutofit/>
-              </a:bodyPr>
-              <a:lstStyle/>
-              <a:p>
-                <a:pPr algn="ctr">
-                  <a:lnSpc>
-                    <a:spcPct val="100000"/>
-                  </a:lnSpc>
-                </a:pPr>
-                <a:r>
-                  <a:rPr lang="en-GB" sz="1600" b="0" strike="noStrike" spc="-1">
-                    <a:solidFill>
-                      <a:srgbClr val="000000"/>
-                    </a:solidFill>
-                    <a:latin typeface="Calibri"/>
-                  </a:rPr>
-                  <a:t>A</a:t>
-                </a:r>
-                <a:endParaRPr lang="en-AU" sz="1600" b="0" strike="noStrike" spc="-1">
-                  <a:latin typeface="Arial"/>
-                </a:endParaRPr>
-              </a:p>
-            </p:txBody>
-          </p:sp>
-          <p:grpSp>
-            <p:nvGrpSpPr>
-              <p:cNvPr id="47" name="Group 7"/>
-              <p:cNvGrpSpPr/>
-              <p:nvPr/>
-            </p:nvGrpSpPr>
-            <p:grpSpPr>
-              <a:xfrm>
-                <a:off x="2864880" y="3745440"/>
-                <a:ext cx="2553840" cy="575280"/>
-                <a:chOff x="2864880" y="3745440"/>
-                <a:chExt cx="2553840" cy="575280"/>
-              </a:xfrm>
-            </p:grpSpPr>
-            <p:sp>
-              <p:nvSpPr>
-                <p:cNvPr id="48" name="CustomShape 8"/>
-                <p:cNvSpPr/>
-                <p:nvPr/>
-              </p:nvSpPr>
-              <p:spPr>
-                <a:xfrm>
-                  <a:off x="2864880" y="3745440"/>
-                  <a:ext cx="575280" cy="575280"/>
-                </a:xfrm>
-                <a:prstGeom prst="ellipse">
-                  <a:avLst/>
-                </a:prstGeom>
-                <a:solidFill>
-                  <a:srgbClr val="FF1F1F"/>
-                </a:solidFill>
-                <a:ln>
-                  <a:solidFill>
-                    <a:schemeClr val="tx1"/>
-                  </a:solidFill>
-                </a:ln>
-              </p:spPr>
-              <p:style>
-                <a:lnRef idx="2">
-                  <a:schemeClr val="accent1">
-                    <a:shade val="50000"/>
-                  </a:schemeClr>
-                </a:lnRef>
-                <a:fillRef idx="1">
-                  <a:schemeClr val="accent1"/>
-                </a:fillRef>
-                <a:effectRef idx="0">
-                  <a:schemeClr val="accent1"/>
-                </a:effectRef>
-                <a:fontRef idx="minor"/>
-              </p:style>
-              <p:txBody>
-                <a:bodyPr lIns="90000" tIns="45000" rIns="90000" bIns="45000" anchor="ctr">
-                  <a:noAutofit/>
-                </a:bodyPr>
-                <a:lstStyle/>
-                <a:p>
-                  <a:pPr algn="ctr">
-                    <a:lnSpc>
-                      <a:spcPct val="100000"/>
-                    </a:lnSpc>
-                  </a:pPr>
-                  <a:r>
-                    <a:rPr lang="en-GB" sz="1600" b="0" strike="noStrike" spc="-1">
-                      <a:solidFill>
-                        <a:srgbClr val="000000"/>
-                      </a:solidFill>
-                      <a:latin typeface="Calibri"/>
-                    </a:rPr>
-                    <a:t>E</a:t>
-                  </a:r>
-                  <a:endParaRPr lang="en-AU" sz="1600" b="0" strike="noStrike" spc="-1">
-                    <a:latin typeface="Arial"/>
-                  </a:endParaRPr>
-                </a:p>
-              </p:txBody>
-            </p:sp>
-            <p:sp>
-              <p:nvSpPr>
-                <p:cNvPr id="49" name="CustomShape 9"/>
-                <p:cNvSpPr/>
-                <p:nvPr/>
-              </p:nvSpPr>
-              <p:spPr>
-                <a:xfrm>
-                  <a:off x="3854160" y="3745440"/>
-                  <a:ext cx="575280" cy="575280"/>
-                </a:xfrm>
-                <a:prstGeom prst="ellipse">
-                  <a:avLst/>
-                </a:prstGeom>
-                <a:solidFill>
-                  <a:srgbClr val="FF1F1F"/>
-                </a:solidFill>
-                <a:ln>
-                  <a:solidFill>
-                    <a:schemeClr val="tx1"/>
-                  </a:solidFill>
-                </a:ln>
-              </p:spPr>
-              <p:style>
-                <a:lnRef idx="2">
-                  <a:schemeClr val="accent1">
-                    <a:shade val="50000"/>
-                  </a:schemeClr>
-                </a:lnRef>
-                <a:fillRef idx="1">
-                  <a:schemeClr val="accent1"/>
-                </a:fillRef>
-                <a:effectRef idx="0">
-                  <a:schemeClr val="accent1"/>
-                </a:effectRef>
-                <a:fontRef idx="minor"/>
-              </p:style>
-              <p:txBody>
-                <a:bodyPr lIns="90000" tIns="45000" rIns="90000" bIns="45000" anchor="ctr">
-                  <a:noAutofit/>
-                </a:bodyPr>
-                <a:lstStyle/>
-                <a:p>
-                  <a:pPr algn="ctr">
-                    <a:lnSpc>
-                      <a:spcPct val="100000"/>
-                    </a:lnSpc>
-                  </a:pPr>
-                  <a:r>
-                    <a:rPr lang="en-GB" sz="1600" b="0" strike="noStrike" spc="-1">
-                      <a:solidFill>
-                        <a:srgbClr val="000000"/>
-                      </a:solidFill>
-                      <a:latin typeface="Calibri"/>
-                    </a:rPr>
-                    <a:t>F</a:t>
-                  </a:r>
-                  <a:endParaRPr lang="en-AU" sz="1600" b="0" strike="noStrike" spc="-1">
-                    <a:latin typeface="Arial"/>
-                  </a:endParaRPr>
-                </a:p>
-              </p:txBody>
-            </p:sp>
-            <p:sp>
-              <p:nvSpPr>
-                <p:cNvPr id="50" name="CustomShape 10"/>
-                <p:cNvSpPr/>
-                <p:nvPr/>
-              </p:nvSpPr>
-              <p:spPr>
-                <a:xfrm>
-                  <a:off x="4843080" y="3745440"/>
-                  <a:ext cx="575640" cy="575280"/>
-                </a:xfrm>
-                <a:prstGeom prst="ellipse">
-                  <a:avLst/>
-                </a:prstGeom>
-                <a:solidFill>
-                  <a:srgbClr val="FF1F1F"/>
-                </a:solidFill>
-                <a:ln>
-                  <a:solidFill>
-                    <a:schemeClr val="tx1"/>
-                  </a:solidFill>
-                </a:ln>
-              </p:spPr>
-              <p:style>
-                <a:lnRef idx="2">
-                  <a:schemeClr val="accent1">
-                    <a:shade val="50000"/>
-                  </a:schemeClr>
-                </a:lnRef>
-                <a:fillRef idx="1">
-                  <a:schemeClr val="accent1"/>
-                </a:fillRef>
-                <a:effectRef idx="0">
-                  <a:schemeClr val="accent1"/>
-                </a:effectRef>
-                <a:fontRef idx="minor"/>
-              </p:style>
-              <p:txBody>
-                <a:bodyPr lIns="90000" tIns="45000" rIns="90000" bIns="45000" anchor="ctr">
-                  <a:noAutofit/>
-                </a:bodyPr>
-                <a:lstStyle/>
-                <a:p>
-                  <a:pPr algn="ctr">
-                    <a:lnSpc>
-                      <a:spcPct val="100000"/>
-                    </a:lnSpc>
-                  </a:pPr>
-                  <a:r>
-                    <a:rPr lang="en-GB" sz="1600" b="0" strike="noStrike" spc="-1">
-                      <a:solidFill>
-                        <a:srgbClr val="000000"/>
-                      </a:solidFill>
-                      <a:latin typeface="Calibri"/>
-                    </a:rPr>
-                    <a:t>G</a:t>
-                  </a:r>
-                  <a:endParaRPr lang="en-AU" sz="1600" b="0" strike="noStrike" spc="-1">
-                    <a:latin typeface="Arial"/>
-                  </a:endParaRPr>
-                </a:p>
-              </p:txBody>
-            </p:sp>
-          </p:grpSp>
-          <p:sp>
-            <p:nvSpPr>
-              <p:cNvPr id="51" name="CustomShape 11"/>
-              <p:cNvSpPr/>
-              <p:nvPr/>
-            </p:nvSpPr>
-            <p:spPr>
-              <a:xfrm>
-                <a:off x="8750880" y="4942080"/>
-                <a:ext cx="575280" cy="575280"/>
-              </a:xfrm>
-              <a:prstGeom prst="ellipse">
-                <a:avLst/>
-              </a:prstGeom>
-              <a:solidFill>
-                <a:srgbClr val="FF4775"/>
-              </a:solidFill>
-              <a:ln>
-                <a:solidFill>
-                  <a:schemeClr val="tx1"/>
-                </a:solidFill>
-              </a:ln>
-            </p:spPr>
-            <p:style>
-              <a:lnRef idx="2">
-                <a:schemeClr val="accent1">
-                  <a:shade val="50000"/>
-                </a:schemeClr>
-              </a:lnRef>
-              <a:fillRef idx="1">
-                <a:schemeClr val="accent1"/>
-              </a:fillRef>
-              <a:effectRef idx="0">
-                <a:schemeClr val="accent1"/>
-              </a:effectRef>
-              <a:fontRef idx="minor"/>
-            </p:style>
-            <p:txBody>
-              <a:bodyPr lIns="90000" tIns="45000" rIns="90000" bIns="45000" anchor="ctr">
-                <a:noAutofit/>
-              </a:bodyPr>
-              <a:lstStyle/>
-              <a:p>
-                <a:pPr algn="ctr">
-                  <a:lnSpc>
-                    <a:spcPct val="100000"/>
-                  </a:lnSpc>
-                </a:pPr>
-                <a:r>
-                  <a:rPr lang="en-GB" sz="1600" b="0" strike="noStrike" spc="-1">
-                    <a:solidFill>
-                      <a:srgbClr val="000000"/>
-                    </a:solidFill>
-                    <a:latin typeface="Calibri"/>
-                  </a:rPr>
-                  <a:t>J</a:t>
-                </a:r>
-                <a:endParaRPr lang="en-AU" sz="1600" b="0" strike="noStrike" spc="-1">
-                  <a:latin typeface="Arial"/>
-                </a:endParaRPr>
-              </a:p>
-            </p:txBody>
-          </p:sp>
-          <p:sp>
-            <p:nvSpPr>
-              <p:cNvPr id="52" name="Line 12"/>
-              <p:cNvSpPr/>
-              <p:nvPr/>
-            </p:nvSpPr>
-            <p:spPr>
-              <a:xfrm flipH="1">
-                <a:off x="4345560" y="1855440"/>
-                <a:ext cx="1546920" cy="785160"/>
-              </a:xfrm>
-              <a:prstGeom prst="line">
-                <a:avLst/>
-              </a:prstGeom>
-              <a:ln w="12700">
-                <a:solidFill>
-                  <a:schemeClr val="tx1"/>
-                </a:solidFill>
-              </a:ln>
-            </p:spPr>
-            <p:style>
-              <a:lnRef idx="1">
-                <a:schemeClr val="accent1"/>
-              </a:lnRef>
-              <a:fillRef idx="0">
-                <a:schemeClr val="accent1"/>
-              </a:fillRef>
-              <a:effectRef idx="0">
-                <a:schemeClr val="accent1"/>
-              </a:effectRef>
-              <a:fontRef idx="minor"/>
-            </p:style>
-          </p:sp>
-          <p:sp>
-            <p:nvSpPr>
-              <p:cNvPr id="53" name="Line 13"/>
-              <p:cNvSpPr/>
-              <p:nvPr/>
-            </p:nvSpPr>
-            <p:spPr>
-              <a:xfrm>
-                <a:off x="6299640" y="1855440"/>
-                <a:ext cx="1547280" cy="785160"/>
-              </a:xfrm>
-              <a:prstGeom prst="line">
-                <a:avLst/>
-              </a:prstGeom>
-              <a:ln w="12700">
-                <a:solidFill>
-                  <a:schemeClr val="tx1"/>
-                </a:solidFill>
-              </a:ln>
-            </p:spPr>
-            <p:style>
-              <a:lnRef idx="1">
-                <a:schemeClr val="accent1"/>
-              </a:lnRef>
-              <a:fillRef idx="0">
-                <a:schemeClr val="accent1"/>
-              </a:fillRef>
-              <a:effectRef idx="0">
-                <a:schemeClr val="accent1"/>
-              </a:effectRef>
-              <a:fontRef idx="minor"/>
-            </p:style>
-          </p:sp>
-          <p:sp>
-            <p:nvSpPr>
-              <p:cNvPr id="54" name="Line 14"/>
-              <p:cNvSpPr/>
-              <p:nvPr/>
-            </p:nvSpPr>
-            <p:spPr>
-              <a:xfrm flipH="1">
-                <a:off x="9038520" y="4317480"/>
-                <a:ext cx="1440" cy="624600"/>
-              </a:xfrm>
-              <a:prstGeom prst="line">
-                <a:avLst/>
-              </a:prstGeom>
-              <a:ln w="12700">
-                <a:solidFill>
-                  <a:schemeClr val="tx1"/>
-                </a:solidFill>
-              </a:ln>
-            </p:spPr>
-            <p:style>
-              <a:lnRef idx="1">
-                <a:schemeClr val="accent1"/>
-              </a:lnRef>
-              <a:fillRef idx="0">
-                <a:schemeClr val="accent1"/>
-              </a:fillRef>
-              <a:effectRef idx="0">
-                <a:schemeClr val="accent1"/>
-              </a:effectRef>
-              <a:fontRef idx="minor"/>
-            </p:style>
-          </p:sp>
-          <p:sp>
-            <p:nvSpPr>
-              <p:cNvPr id="55" name="Line 15"/>
-              <p:cNvSpPr/>
-              <p:nvPr/>
-            </p:nvSpPr>
-            <p:spPr>
-              <a:xfrm flipH="1">
-                <a:off x="3355920" y="3047760"/>
-                <a:ext cx="582120" cy="781920"/>
-              </a:xfrm>
-              <a:prstGeom prst="line">
-                <a:avLst/>
-              </a:prstGeom>
-              <a:ln w="12700">
-                <a:solidFill>
-                  <a:schemeClr val="tx1"/>
-                </a:solidFill>
-              </a:ln>
-            </p:spPr>
-            <p:style>
-              <a:lnRef idx="1">
-                <a:schemeClr val="accent1"/>
-              </a:lnRef>
-              <a:fillRef idx="0">
-                <a:schemeClr val="accent1"/>
-              </a:fillRef>
-              <a:effectRef idx="0">
-                <a:schemeClr val="accent1"/>
-              </a:effectRef>
-              <a:fontRef idx="minor"/>
-            </p:style>
-          </p:sp>
-          <p:sp>
-            <p:nvSpPr>
-              <p:cNvPr id="56" name="Line 16"/>
-              <p:cNvSpPr/>
-              <p:nvPr/>
-            </p:nvSpPr>
-            <p:spPr>
-              <a:xfrm>
-                <a:off x="4142160" y="3132000"/>
-                <a:ext cx="0" cy="613440"/>
-              </a:xfrm>
-              <a:prstGeom prst="line">
-                <a:avLst/>
-              </a:prstGeom>
-              <a:ln w="12700">
-                <a:solidFill>
-                  <a:schemeClr val="tx1"/>
-                </a:solidFill>
-              </a:ln>
-            </p:spPr>
-            <p:style>
-              <a:lnRef idx="1">
-                <a:schemeClr val="accent1"/>
-              </a:lnRef>
-              <a:fillRef idx="0">
-                <a:schemeClr val="accent1"/>
-              </a:fillRef>
-              <a:effectRef idx="0">
-                <a:schemeClr val="accent1"/>
-              </a:effectRef>
-              <a:fontRef idx="minor"/>
-            </p:style>
-          </p:sp>
-          <p:sp>
-            <p:nvSpPr>
-              <p:cNvPr id="57" name="Line 17"/>
-              <p:cNvSpPr/>
-              <p:nvPr/>
-            </p:nvSpPr>
-            <p:spPr>
-              <a:xfrm>
-                <a:off x="4345560" y="3047760"/>
-                <a:ext cx="582120" cy="781920"/>
-              </a:xfrm>
-              <a:prstGeom prst="line">
-                <a:avLst/>
-              </a:prstGeom>
-              <a:ln w="12700">
-                <a:solidFill>
-                  <a:schemeClr val="tx1"/>
-                </a:solidFill>
-              </a:ln>
-            </p:spPr>
-            <p:style>
-              <a:lnRef idx="1">
-                <a:schemeClr val="accent1"/>
-              </a:lnRef>
-              <a:fillRef idx="0">
-                <a:schemeClr val="accent1"/>
-              </a:fillRef>
-              <a:effectRef idx="0">
-                <a:schemeClr val="accent1"/>
-              </a:effectRef>
-              <a:fontRef idx="minor"/>
-            </p:style>
-          </p:sp>
-          <p:grpSp>
-            <p:nvGrpSpPr>
-              <p:cNvPr id="58" name="Group 18"/>
-              <p:cNvGrpSpPr/>
-              <p:nvPr/>
-            </p:nvGrpSpPr>
-            <p:grpSpPr>
-              <a:xfrm>
-                <a:off x="6773400" y="3741840"/>
-                <a:ext cx="2554200" cy="575280"/>
-                <a:chOff x="6773400" y="3741840"/>
-                <a:chExt cx="2554200" cy="575280"/>
-              </a:xfrm>
-            </p:grpSpPr>
-            <p:sp>
-              <p:nvSpPr>
-                <p:cNvPr id="59" name="CustomShape 19"/>
-                <p:cNvSpPr/>
-                <p:nvPr/>
-              </p:nvSpPr>
-              <p:spPr>
-                <a:xfrm>
-                  <a:off x="6773400" y="3741840"/>
-                  <a:ext cx="575280" cy="575280"/>
-                </a:xfrm>
-                <a:prstGeom prst="ellipse">
-                  <a:avLst/>
-                </a:prstGeom>
-                <a:solidFill>
-                  <a:srgbClr val="97FE71"/>
-                </a:solidFill>
-                <a:ln>
-                  <a:solidFill>
-                    <a:schemeClr val="tx1"/>
-                  </a:solidFill>
-                </a:ln>
-              </p:spPr>
-              <p:style>
-                <a:lnRef idx="2">
-                  <a:schemeClr val="accent1">
-                    <a:shade val="50000"/>
-                  </a:schemeClr>
-                </a:lnRef>
-                <a:fillRef idx="1">
-                  <a:schemeClr val="accent1"/>
-                </a:fillRef>
-                <a:effectRef idx="0">
-                  <a:schemeClr val="accent1"/>
-                </a:effectRef>
-                <a:fontRef idx="minor"/>
-              </p:style>
-              <p:txBody>
-                <a:bodyPr lIns="90000" tIns="45000" rIns="90000" bIns="45000" anchor="ctr">
-                  <a:noAutofit/>
-                </a:bodyPr>
-                <a:lstStyle/>
-                <a:p>
-                  <a:pPr algn="ctr">
-                    <a:lnSpc>
-                      <a:spcPct val="100000"/>
-                    </a:lnSpc>
-                  </a:pPr>
-                  <a:r>
-                    <a:rPr lang="en-GB" sz="1600" b="0" strike="noStrike" spc="-1">
-                      <a:solidFill>
-                        <a:srgbClr val="000000"/>
-                      </a:solidFill>
-                      <a:latin typeface="Calibri"/>
-                    </a:rPr>
-                    <a:t>H</a:t>
-                  </a:r>
-                  <a:endParaRPr lang="en-AU" sz="1600" b="0" strike="noStrike" spc="-1">
-                    <a:latin typeface="Arial"/>
-                  </a:endParaRPr>
-                </a:p>
-              </p:txBody>
-            </p:sp>
-            <p:sp>
-              <p:nvSpPr>
-                <p:cNvPr id="60" name="CustomShape 20"/>
-                <p:cNvSpPr/>
-                <p:nvPr/>
-              </p:nvSpPr>
-              <p:spPr>
-                <a:xfrm>
-                  <a:off x="8751960" y="3741840"/>
-                  <a:ext cx="575640" cy="575280"/>
-                </a:xfrm>
-                <a:prstGeom prst="ellipse">
-                  <a:avLst/>
-                </a:prstGeom>
-                <a:solidFill>
-                  <a:srgbClr val="97FE71"/>
-                </a:solidFill>
-                <a:ln>
-                  <a:solidFill>
-                    <a:schemeClr val="tx1"/>
-                  </a:solidFill>
-                </a:ln>
-              </p:spPr>
-              <p:style>
-                <a:lnRef idx="2">
-                  <a:schemeClr val="accent1">
-                    <a:shade val="50000"/>
-                  </a:schemeClr>
-                </a:lnRef>
-                <a:fillRef idx="1">
-                  <a:schemeClr val="accent1"/>
-                </a:fillRef>
-                <a:effectRef idx="0">
-                  <a:schemeClr val="accent1"/>
-                </a:effectRef>
-                <a:fontRef idx="minor"/>
-              </p:style>
-              <p:txBody>
-                <a:bodyPr lIns="90000" tIns="45000" rIns="90000" bIns="45000" anchor="ctr">
-                  <a:noAutofit/>
-                </a:bodyPr>
-                <a:lstStyle/>
-                <a:p>
-                  <a:pPr algn="ctr">
-                    <a:lnSpc>
-                      <a:spcPct val="100000"/>
-                    </a:lnSpc>
-                  </a:pPr>
-                  <a:r>
-                    <a:rPr lang="en-GB" sz="1600" b="0" strike="noStrike" spc="-1">
-                      <a:solidFill>
-                        <a:srgbClr val="000000"/>
-                      </a:solidFill>
-                      <a:latin typeface="Calibri"/>
-                    </a:rPr>
-                    <a:t>I</a:t>
-                  </a:r>
-                  <a:endParaRPr lang="en-AU" sz="1600" b="0" strike="noStrike" spc="-1">
-                    <a:latin typeface="Arial"/>
-                  </a:endParaRPr>
-                </a:p>
-              </p:txBody>
-            </p:sp>
-          </p:grpSp>
-          <p:sp>
-            <p:nvSpPr>
-              <p:cNvPr id="61" name="Line 21"/>
-              <p:cNvSpPr/>
-              <p:nvPr/>
-            </p:nvSpPr>
-            <p:spPr>
-              <a:xfrm>
-                <a:off x="8254080" y="3047760"/>
-                <a:ext cx="582120" cy="778320"/>
-              </a:xfrm>
-              <a:prstGeom prst="line">
-                <a:avLst/>
-              </a:prstGeom>
-              <a:ln w="12700">
-                <a:solidFill>
-                  <a:schemeClr val="tx1"/>
-                </a:solidFill>
-              </a:ln>
-            </p:spPr>
-            <p:style>
-              <a:lnRef idx="1">
-                <a:schemeClr val="accent1"/>
-              </a:lnRef>
-              <a:fillRef idx="0">
-                <a:schemeClr val="accent1"/>
-              </a:fillRef>
-              <a:effectRef idx="0">
-                <a:schemeClr val="accent1"/>
-              </a:effectRef>
-              <a:fontRef idx="minor"/>
-            </p:style>
-          </p:sp>
-          <p:sp>
-            <p:nvSpPr>
-              <p:cNvPr id="62" name="Line 22"/>
-              <p:cNvSpPr/>
-              <p:nvPr/>
-            </p:nvSpPr>
-            <p:spPr>
-              <a:xfrm flipH="1">
-                <a:off x="7264800" y="3047760"/>
-                <a:ext cx="582120" cy="778320"/>
-              </a:xfrm>
-              <a:prstGeom prst="line">
-                <a:avLst/>
-              </a:prstGeom>
-              <a:ln w="12700">
-                <a:solidFill>
-                  <a:schemeClr val="tx1"/>
-                </a:solidFill>
-              </a:ln>
-            </p:spPr>
-            <p:style>
-              <a:lnRef idx="1">
-                <a:schemeClr val="accent1"/>
-              </a:lnRef>
-              <a:fillRef idx="0">
-                <a:schemeClr val="accent1"/>
-              </a:fillRef>
-              <a:effectRef idx="0">
-                <a:schemeClr val="accent1"/>
-              </a:effectRef>
-              <a:fontRef idx="minor"/>
-            </p:style>
-          </p:sp>
-          <p:sp>
-            <p:nvSpPr>
-              <p:cNvPr id="63" name="CustomShape 23"/>
-              <p:cNvSpPr/>
-              <p:nvPr/>
-            </p:nvSpPr>
-            <p:spPr>
-              <a:xfrm>
-                <a:off x="10088640" y="1513440"/>
-                <a:ext cx="754920" cy="272880"/>
-              </a:xfrm>
-              <a:prstGeom prst="rect">
-                <a:avLst/>
-              </a:prstGeom>
-              <a:noFill/>
-              <a:ln>
-                <a:noFill/>
-              </a:ln>
-            </p:spPr>
-            <p:style>
-              <a:lnRef idx="0">
-                <a:scrgbClr r="0" g="0" b="0"/>
-              </a:lnRef>
-              <a:fillRef idx="0">
-                <a:scrgbClr r="0" g="0" b="0"/>
-              </a:fillRef>
-              <a:effectRef idx="0">
-                <a:scrgbClr r="0" g="0" b="0"/>
-              </a:effectRef>
-              <a:fontRef idx="minor"/>
-            </p:style>
-            <p:txBody>
-              <a:bodyPr lIns="90000" tIns="45000" rIns="90000" bIns="45000">
-                <a:spAutoFit/>
-              </a:bodyPr>
-              <a:lstStyle/>
-              <a:p>
-                <a:pPr>
-                  <a:lnSpc>
-                    <a:spcPct val="100000"/>
-                  </a:lnSpc>
-                </a:pPr>
-                <a:r>
-                  <a:rPr lang="en-GB" sz="1200" b="0" strike="noStrike" spc="-1">
-                    <a:solidFill>
-                      <a:schemeClr val="bg1"/>
-                    </a:solidFill>
-                    <a:latin typeface="Calibri"/>
-                  </a:rPr>
-                  <a:t>Level 0</a:t>
-                </a:r>
-                <a:endParaRPr lang="en-AU" sz="1200" b="0" strike="noStrike" spc="-1">
-                  <a:solidFill>
-                    <a:schemeClr val="bg1"/>
-                  </a:solidFill>
-                  <a:latin typeface="Arial"/>
-                </a:endParaRPr>
-              </a:p>
-            </p:txBody>
-          </p:sp>
-          <p:sp>
-            <p:nvSpPr>
-              <p:cNvPr id="64" name="CustomShape 24"/>
-              <p:cNvSpPr/>
-              <p:nvPr/>
-            </p:nvSpPr>
-            <p:spPr>
-              <a:xfrm>
-                <a:off x="10088640" y="2702520"/>
-                <a:ext cx="754920" cy="272880"/>
-              </a:xfrm>
-              <a:prstGeom prst="rect">
-                <a:avLst/>
-              </a:prstGeom>
-              <a:noFill/>
-              <a:ln>
-                <a:noFill/>
-              </a:ln>
-            </p:spPr>
-            <p:style>
-              <a:lnRef idx="0">
-                <a:scrgbClr r="0" g="0" b="0"/>
-              </a:lnRef>
-              <a:fillRef idx="0">
-                <a:scrgbClr r="0" g="0" b="0"/>
-              </a:fillRef>
-              <a:effectRef idx="0">
-                <a:scrgbClr r="0" g="0" b="0"/>
-              </a:effectRef>
-              <a:fontRef idx="minor"/>
-            </p:style>
-            <p:txBody>
-              <a:bodyPr lIns="90000" tIns="45000" rIns="90000" bIns="45000">
-                <a:spAutoFit/>
-              </a:bodyPr>
-              <a:lstStyle/>
-              <a:p>
-                <a:pPr>
-                  <a:lnSpc>
-                    <a:spcPct val="100000"/>
-                  </a:lnSpc>
-                </a:pPr>
-                <a:r>
-                  <a:rPr lang="en-GB" sz="1200" b="0" strike="noStrike" spc="-1">
-                    <a:solidFill>
-                      <a:schemeClr val="bg1"/>
-                    </a:solidFill>
-                    <a:latin typeface="Calibri"/>
-                  </a:rPr>
-                  <a:t>Level 1</a:t>
-                </a:r>
-                <a:endParaRPr lang="en-AU" sz="1200" b="0" strike="noStrike" spc="-1">
-                  <a:solidFill>
-                    <a:schemeClr val="bg1"/>
-                  </a:solidFill>
-                  <a:latin typeface="Arial"/>
-                </a:endParaRPr>
-              </a:p>
-            </p:txBody>
-          </p:sp>
-          <p:sp>
-            <p:nvSpPr>
-              <p:cNvPr id="65" name="CustomShape 25"/>
-              <p:cNvSpPr/>
-              <p:nvPr/>
-            </p:nvSpPr>
-            <p:spPr>
-              <a:xfrm>
-                <a:off x="10088640" y="3893400"/>
-                <a:ext cx="754920" cy="272880"/>
-              </a:xfrm>
-              <a:prstGeom prst="rect">
-                <a:avLst/>
-              </a:prstGeom>
-              <a:noFill/>
-              <a:ln>
-                <a:noFill/>
-              </a:ln>
-            </p:spPr>
-            <p:style>
-              <a:lnRef idx="0">
-                <a:scrgbClr r="0" g="0" b="0"/>
-              </a:lnRef>
-              <a:fillRef idx="0">
-                <a:scrgbClr r="0" g="0" b="0"/>
-              </a:fillRef>
-              <a:effectRef idx="0">
-                <a:scrgbClr r="0" g="0" b="0"/>
-              </a:effectRef>
-              <a:fontRef idx="minor"/>
-            </p:style>
-            <p:txBody>
-              <a:bodyPr lIns="90000" tIns="45000" rIns="90000" bIns="45000">
-                <a:spAutoFit/>
-              </a:bodyPr>
-              <a:lstStyle/>
-              <a:p>
-                <a:pPr>
-                  <a:lnSpc>
-                    <a:spcPct val="100000"/>
-                  </a:lnSpc>
-                </a:pPr>
-                <a:r>
-                  <a:rPr lang="en-GB" sz="1200" b="0" strike="noStrike" spc="-1">
-                    <a:solidFill>
-                      <a:schemeClr val="bg1"/>
-                    </a:solidFill>
-                    <a:latin typeface="Calibri"/>
-                  </a:rPr>
-                  <a:t>Level 2</a:t>
-                </a:r>
-                <a:endParaRPr lang="en-AU" sz="1200" b="0" strike="noStrike" spc="-1">
-                  <a:solidFill>
-                    <a:schemeClr val="bg1"/>
-                  </a:solidFill>
-                  <a:latin typeface="Arial"/>
-                </a:endParaRPr>
-              </a:p>
-            </p:txBody>
-          </p:sp>
-          <p:sp>
-            <p:nvSpPr>
-              <p:cNvPr id="66" name="CustomShape 26"/>
-              <p:cNvSpPr/>
-              <p:nvPr/>
-            </p:nvSpPr>
-            <p:spPr>
-              <a:xfrm>
-                <a:off x="10088640" y="5079600"/>
-                <a:ext cx="754920" cy="272880"/>
-              </a:xfrm>
-              <a:prstGeom prst="rect">
-                <a:avLst/>
-              </a:prstGeom>
-              <a:noFill/>
-              <a:ln>
-                <a:noFill/>
-              </a:ln>
-            </p:spPr>
-            <p:style>
-              <a:lnRef idx="0">
-                <a:scrgbClr r="0" g="0" b="0"/>
-              </a:lnRef>
-              <a:fillRef idx="0">
-                <a:scrgbClr r="0" g="0" b="0"/>
-              </a:fillRef>
-              <a:effectRef idx="0">
-                <a:scrgbClr r="0" g="0" b="0"/>
-              </a:effectRef>
-              <a:fontRef idx="minor"/>
-            </p:style>
-            <p:txBody>
-              <a:bodyPr lIns="90000" tIns="45000" rIns="90000" bIns="45000">
-                <a:spAutoFit/>
-              </a:bodyPr>
-              <a:lstStyle/>
-              <a:p>
-                <a:pPr>
-                  <a:lnSpc>
-                    <a:spcPct val="100000"/>
-                  </a:lnSpc>
-                </a:pPr>
-                <a:r>
-                  <a:rPr lang="en-GB" sz="1200" b="0" strike="noStrike" spc="-1">
-                    <a:solidFill>
-                      <a:schemeClr val="bg1"/>
-                    </a:solidFill>
-                    <a:latin typeface="Calibri"/>
-                  </a:rPr>
-                  <a:t>Level 3</a:t>
-                </a:r>
-                <a:endParaRPr lang="en-AU" sz="1200" b="0" strike="noStrike" spc="-1">
-                  <a:solidFill>
-                    <a:schemeClr val="bg1"/>
-                  </a:solidFill>
-                  <a:latin typeface="Arial"/>
-                </a:endParaRPr>
-              </a:p>
-            </p:txBody>
-          </p:sp>
-          <p:sp>
-            <p:nvSpPr>
-              <p:cNvPr id="67" name="CustomShape 27"/>
-              <p:cNvSpPr/>
-              <p:nvPr/>
-            </p:nvSpPr>
-            <p:spPr>
-              <a:xfrm flipV="1">
-                <a:off x="4142160" y="4703760"/>
-                <a:ext cx="360" cy="1238760"/>
-              </a:xfrm>
-              <a:custGeom>
-                <a:avLst/>
-                <a:gdLst/>
-                <a:ahLst/>
-                <a:cxnLst/>
-                <a:rect l="l" t="t" r="r" b="b"/>
-                <a:pathLst>
-                  <a:path w="21600" h="21600">
-                    <a:moveTo>
-                      <a:pt x="0" y="0"/>
-                    </a:moveTo>
-                    <a:lnTo>
-                      <a:pt x="21600" y="21600"/>
-                    </a:lnTo>
-                  </a:path>
-                </a:pathLst>
-              </a:custGeom>
-              <a:noFill/>
-              <a:ln w="12600">
-                <a:solidFill>
-                  <a:schemeClr val="bg1"/>
-                </a:solidFill>
-                <a:prstDash val="dash"/>
-                <a:tailEnd type="triangle" w="med" len="med"/>
-              </a:ln>
-            </p:spPr>
-            <p:style>
-              <a:lnRef idx="1">
-                <a:schemeClr val="dk1"/>
-              </a:lnRef>
-              <a:fillRef idx="0">
-                <a:schemeClr val="dk1"/>
-              </a:fillRef>
-              <a:effectRef idx="0">
-                <a:schemeClr val="dk1"/>
-              </a:effectRef>
-              <a:fontRef idx="minor"/>
-            </p:style>
-          </p:sp>
-          <p:sp>
-            <p:nvSpPr>
-              <p:cNvPr id="68" name="CustomShape 28"/>
-              <p:cNvSpPr/>
-              <p:nvPr/>
-            </p:nvSpPr>
-            <p:spPr>
-              <a:xfrm>
-                <a:off x="3764160" y="5954760"/>
-                <a:ext cx="754920" cy="275545"/>
-              </a:xfrm>
-              <a:prstGeom prst="rect">
-                <a:avLst/>
-              </a:prstGeom>
-              <a:noFill/>
-              <a:ln>
-                <a:noFill/>
-              </a:ln>
-            </p:spPr>
-            <p:style>
-              <a:lnRef idx="0">
-                <a:scrgbClr r="0" g="0" b="0"/>
-              </a:lnRef>
-              <a:fillRef idx="0">
-                <a:scrgbClr r="0" g="0" b="0"/>
-              </a:fillRef>
-              <a:effectRef idx="0">
-                <a:scrgbClr r="0" g="0" b="0"/>
-              </a:effectRef>
-              <a:fontRef idx="minor"/>
-            </p:style>
-            <p:txBody>
-              <a:bodyPr lIns="90000" tIns="45000" rIns="90000" bIns="45000">
-                <a:spAutoFit/>
-              </a:bodyPr>
-              <a:lstStyle/>
-              <a:p>
-                <a:pPr>
-                  <a:lnSpc>
-                    <a:spcPct val="100000"/>
-                  </a:lnSpc>
-                </a:pPr>
-                <a:r>
-                  <a:rPr lang="en-GB" sz="1200" b="0" strike="noStrike" spc="-1">
-                    <a:solidFill>
-                      <a:schemeClr val="bg1"/>
-                    </a:solidFill>
-                    <a:latin typeface="Calibri"/>
-                  </a:rPr>
-                  <a:t>Sub-tree</a:t>
-                </a:r>
-                <a:endParaRPr lang="en-AU" sz="1200" b="0" strike="noStrike" spc="-1">
-                  <a:solidFill>
-                    <a:schemeClr val="bg1"/>
-                  </a:solidFill>
-                  <a:latin typeface="Arial"/>
-                </a:endParaRPr>
-              </a:p>
-            </p:txBody>
-          </p:sp>
-          <p:sp>
-            <p:nvSpPr>
-              <p:cNvPr id="69" name="CustomShape 29"/>
-              <p:cNvSpPr/>
-              <p:nvPr/>
-            </p:nvSpPr>
-            <p:spPr>
-              <a:xfrm>
-                <a:off x="1099800" y="3891240"/>
-                <a:ext cx="893160" cy="275545"/>
-              </a:xfrm>
-              <a:prstGeom prst="rect">
-                <a:avLst/>
-              </a:prstGeom>
-              <a:noFill/>
-              <a:ln>
-                <a:noFill/>
-              </a:ln>
-            </p:spPr>
-            <p:style>
-              <a:lnRef idx="0">
-                <a:scrgbClr r="0" g="0" b="0"/>
-              </a:lnRef>
-              <a:fillRef idx="0">
-                <a:scrgbClr r="0" g="0" b="0"/>
-              </a:fillRef>
-              <a:effectRef idx="0">
-                <a:scrgbClr r="0" g="0" b="0"/>
-              </a:effectRef>
-              <a:fontRef idx="minor"/>
-            </p:style>
-            <p:txBody>
-              <a:bodyPr lIns="90000" tIns="45000" rIns="90000" bIns="45000">
-                <a:spAutoFit/>
-              </a:bodyPr>
-              <a:lstStyle/>
-              <a:p>
-                <a:pPr algn="r">
-                  <a:lnSpc>
-                    <a:spcPct val="100000"/>
-                  </a:lnSpc>
-                </a:pPr>
-                <a:r>
-                  <a:rPr lang="en-GB" sz="1200" b="0" strike="noStrike" spc="-1">
-                    <a:solidFill>
-                      <a:schemeClr val="bg1"/>
-                    </a:solidFill>
-                    <a:latin typeface="Calibri"/>
-                  </a:rPr>
-                  <a:t>Child Node</a:t>
-                </a:r>
-                <a:endParaRPr lang="en-AU" sz="1200" b="0" strike="noStrike" spc="-1">
-                  <a:solidFill>
-                    <a:schemeClr val="bg1"/>
-                  </a:solidFill>
-                  <a:latin typeface="Arial"/>
-                </a:endParaRPr>
-              </a:p>
-            </p:txBody>
-          </p:sp>
-          <p:sp>
-            <p:nvSpPr>
-              <p:cNvPr id="70" name="CustomShape 30"/>
-              <p:cNvSpPr/>
-              <p:nvPr/>
-            </p:nvSpPr>
-            <p:spPr>
-              <a:xfrm>
-                <a:off x="748440" y="2703960"/>
-                <a:ext cx="1244520" cy="272880"/>
-              </a:xfrm>
-              <a:prstGeom prst="rect">
-                <a:avLst/>
-              </a:prstGeom>
-              <a:noFill/>
-              <a:ln>
-                <a:noFill/>
-              </a:ln>
-            </p:spPr>
-            <p:style>
-              <a:lnRef idx="0">
-                <a:scrgbClr r="0" g="0" b="0"/>
-              </a:lnRef>
-              <a:fillRef idx="0">
-                <a:scrgbClr r="0" g="0" b="0"/>
-              </a:fillRef>
-              <a:effectRef idx="0">
-                <a:scrgbClr r="0" g="0" b="0"/>
-              </a:effectRef>
-              <a:fontRef idx="minor"/>
-            </p:style>
-            <p:txBody>
-              <a:bodyPr lIns="90000" tIns="45000" rIns="90000" bIns="45000">
-                <a:spAutoFit/>
-              </a:bodyPr>
-              <a:lstStyle/>
-              <a:p>
-                <a:pPr algn="r">
-                  <a:lnSpc>
-                    <a:spcPct val="100000"/>
-                  </a:lnSpc>
-                </a:pPr>
-                <a:r>
-                  <a:rPr lang="en-GB" sz="1200" b="0" strike="noStrike" spc="-1">
-                    <a:solidFill>
-                      <a:schemeClr val="bg1"/>
-                    </a:solidFill>
-                    <a:latin typeface="Calibri"/>
-                  </a:rPr>
-                  <a:t>Parent Node</a:t>
-                </a:r>
-                <a:endParaRPr lang="en-AU" sz="1200" b="0" strike="noStrike" spc="-1">
-                  <a:solidFill>
-                    <a:schemeClr val="bg1"/>
-                  </a:solidFill>
-                  <a:latin typeface="Arial"/>
-                </a:endParaRPr>
-              </a:p>
-            </p:txBody>
-          </p:sp>
-          <p:sp>
-            <p:nvSpPr>
-              <p:cNvPr id="71" name="CustomShape 31"/>
-              <p:cNvSpPr/>
-              <p:nvPr/>
-            </p:nvSpPr>
-            <p:spPr>
-              <a:xfrm flipV="1">
-                <a:off x="7057800" y="4317120"/>
-                <a:ext cx="3240" cy="1545480"/>
-              </a:xfrm>
-              <a:custGeom>
-                <a:avLst/>
-                <a:gdLst/>
-                <a:ahLst/>
-                <a:cxnLst/>
-                <a:rect l="l" t="t" r="r" b="b"/>
-                <a:pathLst>
-                  <a:path w="21600" h="21600">
-                    <a:moveTo>
-                      <a:pt x="0" y="0"/>
-                    </a:moveTo>
-                    <a:lnTo>
-                      <a:pt x="21600" y="21600"/>
-                    </a:lnTo>
-                  </a:path>
-                </a:pathLst>
-              </a:custGeom>
-              <a:noFill/>
-              <a:ln w="12600">
-                <a:solidFill>
-                  <a:schemeClr val="bg1"/>
-                </a:solidFill>
-                <a:prstDash val="dash"/>
-                <a:tailEnd type="triangle" w="med" len="med"/>
-              </a:ln>
-            </p:spPr>
-            <p:style>
-              <a:lnRef idx="1">
-                <a:schemeClr val="dk1"/>
-              </a:lnRef>
-              <a:fillRef idx="0">
-                <a:schemeClr val="dk1"/>
-              </a:fillRef>
-              <a:effectRef idx="0">
-                <a:schemeClr val="dk1"/>
-              </a:effectRef>
-              <a:fontRef idx="minor"/>
-            </p:style>
-          </p:sp>
-          <p:sp>
-            <p:nvSpPr>
-              <p:cNvPr id="72" name="CustomShape 32"/>
-              <p:cNvSpPr/>
-              <p:nvPr/>
-            </p:nvSpPr>
-            <p:spPr>
-              <a:xfrm>
-                <a:off x="6663600" y="5910480"/>
-                <a:ext cx="950040" cy="272880"/>
-              </a:xfrm>
-              <a:prstGeom prst="rect">
-                <a:avLst/>
-              </a:prstGeom>
-              <a:noFill/>
-              <a:ln>
-                <a:noFill/>
-              </a:ln>
-            </p:spPr>
-            <p:style>
-              <a:lnRef idx="0">
-                <a:scrgbClr r="0" g="0" b="0"/>
-              </a:lnRef>
-              <a:fillRef idx="0">
-                <a:scrgbClr r="0" g="0" b="0"/>
-              </a:fillRef>
-              <a:effectRef idx="0">
-                <a:scrgbClr r="0" g="0" b="0"/>
-              </a:effectRef>
-              <a:fontRef idx="minor"/>
-            </p:style>
-            <p:txBody>
-              <a:bodyPr lIns="90000" tIns="45000" rIns="90000" bIns="45000">
-                <a:spAutoFit/>
-              </a:bodyPr>
-              <a:lstStyle/>
-              <a:p>
-                <a:pPr>
-                  <a:lnSpc>
-                    <a:spcPct val="100000"/>
-                  </a:lnSpc>
-                </a:pPr>
-                <a:r>
-                  <a:rPr lang="en-GB" sz="1200" b="0" strike="noStrike" spc="-1">
-                    <a:solidFill>
-                      <a:schemeClr val="bg1"/>
-                    </a:solidFill>
-                    <a:latin typeface="Calibri"/>
-                  </a:rPr>
-                  <a:t>Leaf Node</a:t>
-                </a:r>
-                <a:endParaRPr lang="en-AU" sz="1200" b="0" strike="noStrike" spc="-1">
-                  <a:solidFill>
-                    <a:schemeClr val="bg1"/>
-                  </a:solidFill>
-                  <a:latin typeface="Arial"/>
-                </a:endParaRPr>
-              </a:p>
-            </p:txBody>
-          </p:sp>
-          <p:sp>
-            <p:nvSpPr>
-              <p:cNvPr id="73" name="CustomShape 33"/>
-              <p:cNvSpPr/>
-              <p:nvPr/>
-            </p:nvSpPr>
-            <p:spPr>
-              <a:xfrm>
-                <a:off x="7349040" y="4029840"/>
-                <a:ext cx="1402200" cy="360"/>
-              </a:xfrm>
-              <a:custGeom>
-                <a:avLst/>
-                <a:gdLst/>
-                <a:ahLst/>
-                <a:cxnLst/>
-                <a:rect l="l" t="t" r="r" b="b"/>
-                <a:pathLst>
-                  <a:path w="21600" h="21600">
-                    <a:moveTo>
-                      <a:pt x="0" y="0"/>
-                    </a:moveTo>
-                    <a:lnTo>
-                      <a:pt x="21600" y="21600"/>
-                    </a:lnTo>
-                  </a:path>
-                </a:pathLst>
-              </a:custGeom>
-              <a:noFill/>
-              <a:ln w="12600">
-                <a:solidFill>
-                  <a:schemeClr val="bg1"/>
-                </a:solidFill>
-                <a:prstDash val="dash"/>
-                <a:headEnd type="triangle" w="med" len="med"/>
-                <a:tailEnd type="triangle" w="med" len="med"/>
-              </a:ln>
-            </p:spPr>
-            <p:style>
-              <a:lnRef idx="1">
-                <a:schemeClr val="dk1"/>
-              </a:lnRef>
-              <a:fillRef idx="0">
-                <a:schemeClr val="dk1"/>
-              </a:fillRef>
-              <a:effectRef idx="0">
-                <a:schemeClr val="dk1"/>
-              </a:effectRef>
-              <a:fontRef idx="minor"/>
-            </p:style>
-          </p:sp>
-          <p:sp>
-            <p:nvSpPr>
-              <p:cNvPr id="74" name="CustomShape 34"/>
-              <p:cNvSpPr/>
-              <p:nvPr/>
-            </p:nvSpPr>
-            <p:spPr>
-              <a:xfrm>
-                <a:off x="7720200" y="3891240"/>
-                <a:ext cx="659880" cy="275545"/>
-              </a:xfrm>
-              <a:prstGeom prst="rect">
-                <a:avLst/>
-              </a:prstGeom>
-              <a:solidFill>
-                <a:srgbClr val="83888E"/>
-              </a:solidFill>
-              <a:ln>
-                <a:noFill/>
-              </a:ln>
-            </p:spPr>
-            <p:style>
-              <a:lnRef idx="0">
-                <a:scrgbClr r="0" g="0" b="0"/>
-              </a:lnRef>
-              <a:fillRef idx="0">
-                <a:scrgbClr r="0" g="0" b="0"/>
-              </a:fillRef>
-              <a:effectRef idx="0">
-                <a:scrgbClr r="0" g="0" b="0"/>
-              </a:effectRef>
-              <a:fontRef idx="minor"/>
-            </p:style>
-            <p:txBody>
-              <a:bodyPr lIns="90000" tIns="45000" rIns="90000" bIns="45000">
-                <a:spAutoFit/>
-              </a:bodyPr>
-              <a:lstStyle/>
-              <a:p>
-                <a:pPr algn="ctr">
-                  <a:lnSpc>
-                    <a:spcPct val="100000"/>
-                  </a:lnSpc>
-                </a:pPr>
-                <a:r>
-                  <a:rPr lang="en-GB" sz="1200" b="0" strike="noStrike" spc="-1">
-                    <a:solidFill>
-                      <a:schemeClr val="bg1"/>
-                    </a:solidFill>
-                    <a:latin typeface="Calibri"/>
-                  </a:rPr>
-                  <a:t>Siblings</a:t>
-                </a:r>
-                <a:endParaRPr lang="en-AU" sz="1200" b="0" strike="noStrike" spc="-1">
-                  <a:solidFill>
-                    <a:schemeClr val="bg1"/>
-                  </a:solidFill>
-                  <a:latin typeface="Arial"/>
-                </a:endParaRPr>
-              </a:p>
-            </p:txBody>
-          </p:sp>
-          <p:sp>
-            <p:nvSpPr>
-              <p:cNvPr id="75" name="CustomShape 35"/>
-              <p:cNvSpPr/>
-              <p:nvPr/>
-            </p:nvSpPr>
-            <p:spPr>
-              <a:xfrm>
-                <a:off x="1993680" y="2842560"/>
-                <a:ext cx="1860120" cy="1440"/>
-              </a:xfrm>
-              <a:custGeom>
-                <a:avLst/>
-                <a:gdLst/>
-                <a:ahLst/>
-                <a:cxnLst/>
-                <a:rect l="l" t="t" r="r" b="b"/>
-                <a:pathLst>
-                  <a:path w="21600" h="21600">
-                    <a:moveTo>
-                      <a:pt x="0" y="0"/>
-                    </a:moveTo>
-                    <a:lnTo>
-                      <a:pt x="21600" y="21600"/>
-                    </a:lnTo>
-                  </a:path>
-                </a:pathLst>
-              </a:custGeom>
-              <a:noFill/>
-              <a:ln w="28575">
-                <a:solidFill>
-                  <a:schemeClr val="bg1"/>
-                </a:solidFill>
-                <a:prstDash val="dash"/>
-                <a:tailEnd type="triangle" w="med" len="med"/>
-              </a:ln>
-            </p:spPr>
-            <p:style>
-              <a:lnRef idx="1">
-                <a:schemeClr val="dk1"/>
-              </a:lnRef>
-              <a:fillRef idx="0">
-                <a:schemeClr val="dk1"/>
-              </a:fillRef>
-              <a:effectRef idx="0">
-                <a:schemeClr val="dk1"/>
-              </a:effectRef>
-              <a:fontRef idx="minor"/>
-            </p:style>
-          </p:sp>
-          <p:sp>
-            <p:nvSpPr>
-              <p:cNvPr id="76" name="CustomShape 36"/>
-              <p:cNvSpPr/>
-              <p:nvPr/>
-            </p:nvSpPr>
-            <p:spPr>
-              <a:xfrm>
-                <a:off x="1993680" y="4029840"/>
-                <a:ext cx="870840" cy="3240"/>
-              </a:xfrm>
-              <a:custGeom>
-                <a:avLst/>
-                <a:gdLst/>
-                <a:ahLst/>
-                <a:cxnLst/>
-                <a:rect l="l" t="t" r="r" b="b"/>
-                <a:pathLst>
-                  <a:path w="21600" h="21600">
-                    <a:moveTo>
-                      <a:pt x="0" y="0"/>
-                    </a:moveTo>
-                    <a:lnTo>
-                      <a:pt x="21600" y="21600"/>
-                    </a:lnTo>
-                  </a:path>
-                </a:pathLst>
-              </a:custGeom>
-              <a:noFill/>
-              <a:ln w="28575">
-                <a:solidFill>
-                  <a:schemeClr val="bg1"/>
-                </a:solidFill>
-                <a:prstDash val="dash"/>
-                <a:tailEnd type="triangle" w="med" len="med"/>
-              </a:ln>
-            </p:spPr>
-            <p:style>
-              <a:lnRef idx="1">
-                <a:schemeClr val="dk1"/>
-              </a:lnRef>
-              <a:fillRef idx="0">
-                <a:schemeClr val="dk1"/>
-              </a:fillRef>
-              <a:effectRef idx="0">
-                <a:schemeClr val="dk1"/>
-              </a:effectRef>
-              <a:fontRef idx="minor"/>
-            </p:style>
-          </p:sp>
-          <p:sp>
-            <p:nvSpPr>
-              <p:cNvPr id="77" name="CustomShape 37"/>
-              <p:cNvSpPr/>
-              <p:nvPr/>
-            </p:nvSpPr>
-            <p:spPr>
-              <a:xfrm>
-                <a:off x="5648760" y="769680"/>
-                <a:ext cx="894960" cy="275545"/>
-              </a:xfrm>
-              <a:prstGeom prst="rect">
-                <a:avLst/>
-              </a:prstGeom>
-              <a:noFill/>
-              <a:ln>
-                <a:noFill/>
-              </a:ln>
-            </p:spPr>
-            <p:style>
-              <a:lnRef idx="0">
-                <a:scrgbClr r="0" g="0" b="0"/>
-              </a:lnRef>
-              <a:fillRef idx="0">
-                <a:scrgbClr r="0" g="0" b="0"/>
-              </a:fillRef>
-              <a:effectRef idx="0">
-                <a:scrgbClr r="0" g="0" b="0"/>
-              </a:effectRef>
-              <a:fontRef idx="minor"/>
-            </p:style>
-            <p:txBody>
-              <a:bodyPr lIns="90000" tIns="45000" rIns="90000" bIns="45000">
-                <a:spAutoFit/>
-              </a:bodyPr>
-              <a:lstStyle/>
-              <a:p>
-                <a:pPr>
-                  <a:lnSpc>
-                    <a:spcPct val="100000"/>
-                  </a:lnSpc>
-                </a:pPr>
-                <a:r>
-                  <a:rPr lang="en-GB" sz="1200" b="0" strike="noStrike" spc="-1" dirty="0">
-                    <a:solidFill>
-                      <a:schemeClr val="bg1"/>
-                    </a:solidFill>
-                    <a:latin typeface="Calibri"/>
-                  </a:rPr>
-                  <a:t>Root Node</a:t>
-                </a:r>
-                <a:endParaRPr lang="en-AU" sz="1200" b="0" strike="noStrike" spc="-1" dirty="0">
-                  <a:solidFill>
-                    <a:schemeClr val="bg1"/>
-                  </a:solidFill>
-                  <a:latin typeface="Arial"/>
-                </a:endParaRPr>
-              </a:p>
-            </p:txBody>
-          </p:sp>
-          <p:sp>
-            <p:nvSpPr>
-              <p:cNvPr id="78" name="CustomShape 38"/>
-              <p:cNvSpPr/>
-              <p:nvPr/>
-            </p:nvSpPr>
-            <p:spPr>
-              <a:xfrm>
-                <a:off x="6096240" y="1046520"/>
-                <a:ext cx="360" cy="317160"/>
-              </a:xfrm>
-              <a:custGeom>
-                <a:avLst/>
-                <a:gdLst/>
-                <a:ahLst/>
-                <a:cxnLst/>
-                <a:rect l="l" t="t" r="r" b="b"/>
-                <a:pathLst>
-                  <a:path w="21600" h="21600">
-                    <a:moveTo>
-                      <a:pt x="0" y="0"/>
-                    </a:moveTo>
-                    <a:lnTo>
-                      <a:pt x="21600" y="21600"/>
-                    </a:lnTo>
-                  </a:path>
-                </a:pathLst>
-              </a:custGeom>
-              <a:noFill/>
-              <a:ln w="12600">
-                <a:solidFill>
-                  <a:schemeClr val="bg1"/>
-                </a:solidFill>
-                <a:prstDash val="dash"/>
-                <a:tailEnd type="triangle" w="med" len="med"/>
-              </a:ln>
-            </p:spPr>
-            <p:style>
-              <a:lnRef idx="1">
-                <a:schemeClr val="dk1"/>
-              </a:lnRef>
-              <a:fillRef idx="0">
-                <a:schemeClr val="dk1"/>
-              </a:fillRef>
-              <a:effectRef idx="0">
-                <a:schemeClr val="dk1"/>
-              </a:effectRef>
-              <a:fontRef idx="minor"/>
-            </p:style>
-          </p:sp>
-          <p:sp>
-            <p:nvSpPr>
-              <p:cNvPr id="79" name="CustomShape 39"/>
-              <p:cNvSpPr/>
-              <p:nvPr/>
-            </p:nvSpPr>
-            <p:spPr>
-              <a:xfrm>
-                <a:off x="6909480" y="948960"/>
-                <a:ext cx="527040" cy="275545"/>
-              </a:xfrm>
-              <a:prstGeom prst="rect">
-                <a:avLst/>
-              </a:prstGeom>
-              <a:noFill/>
-              <a:ln>
-                <a:noFill/>
-              </a:ln>
-            </p:spPr>
-            <p:style>
-              <a:lnRef idx="0">
-                <a:scrgbClr r="0" g="0" b="0"/>
-              </a:lnRef>
-              <a:fillRef idx="0">
-                <a:scrgbClr r="0" g="0" b="0"/>
-              </a:fillRef>
-              <a:effectRef idx="0">
-                <a:scrgbClr r="0" g="0" b="0"/>
-              </a:effectRef>
-              <a:fontRef idx="minor"/>
-            </p:style>
-            <p:txBody>
-              <a:bodyPr lIns="90000" tIns="45000" rIns="90000" bIns="45000">
-                <a:spAutoFit/>
-              </a:bodyPr>
-              <a:lstStyle/>
-              <a:p>
-                <a:pPr>
-                  <a:lnSpc>
-                    <a:spcPct val="100000"/>
-                  </a:lnSpc>
-                </a:pPr>
-                <a:r>
-                  <a:rPr lang="en-GB" sz="1200" b="0" strike="noStrike" spc="-1">
-                    <a:solidFill>
-                      <a:schemeClr val="bg1"/>
-                    </a:solidFill>
-                    <a:latin typeface="Calibri"/>
-                  </a:rPr>
-                  <a:t>Edge</a:t>
-                </a:r>
-                <a:endParaRPr lang="en-AU" sz="1200" b="0" strike="noStrike" spc="-1">
-                  <a:solidFill>
-                    <a:schemeClr val="bg1"/>
-                  </a:solidFill>
-                  <a:latin typeface="Arial"/>
-                </a:endParaRPr>
-              </a:p>
-            </p:txBody>
-          </p:sp>
-          <p:sp>
-            <p:nvSpPr>
-              <p:cNvPr id="80" name="CustomShape 40"/>
-              <p:cNvSpPr/>
-              <p:nvPr/>
-            </p:nvSpPr>
-            <p:spPr>
-              <a:xfrm>
-                <a:off x="7137000" y="1278000"/>
-                <a:ext cx="360" cy="934920"/>
-              </a:xfrm>
-              <a:custGeom>
-                <a:avLst/>
-                <a:gdLst/>
-                <a:ahLst/>
-                <a:cxnLst/>
-                <a:rect l="l" t="t" r="r" b="b"/>
-                <a:pathLst>
-                  <a:path w="21600" h="21600">
-                    <a:moveTo>
-                      <a:pt x="0" y="0"/>
-                    </a:moveTo>
-                    <a:lnTo>
-                      <a:pt x="21600" y="21600"/>
-                    </a:lnTo>
-                  </a:path>
-                </a:pathLst>
-              </a:custGeom>
-              <a:noFill/>
-              <a:ln w="12600">
-                <a:solidFill>
-                  <a:schemeClr val="bg1"/>
-                </a:solidFill>
-                <a:prstDash val="dash"/>
-                <a:tailEnd type="triangle" w="med" len="med"/>
-              </a:ln>
-            </p:spPr>
-            <p:style>
-              <a:lnRef idx="1">
-                <a:schemeClr val="dk1"/>
-              </a:lnRef>
-              <a:fillRef idx="0">
-                <a:schemeClr val="dk1"/>
-              </a:fillRef>
-              <a:effectRef idx="0">
-                <a:schemeClr val="dk1"/>
-              </a:effectRef>
-              <a:fontRef idx="minor"/>
-            </p:style>
-          </p:sp>
-          <p:grpSp>
-            <p:nvGrpSpPr>
-              <p:cNvPr id="81" name="Group 41"/>
-              <p:cNvGrpSpPr/>
-              <p:nvPr/>
-            </p:nvGrpSpPr>
-            <p:grpSpPr>
-              <a:xfrm>
-                <a:off x="3854160" y="2556360"/>
-                <a:ext cx="4483800" cy="575280"/>
-                <a:chOff x="3854160" y="2556360"/>
-                <a:chExt cx="4483800" cy="575280"/>
-              </a:xfrm>
-            </p:grpSpPr>
-            <p:sp>
-              <p:nvSpPr>
-                <p:cNvPr id="82" name="CustomShape 42"/>
-                <p:cNvSpPr/>
-                <p:nvPr/>
-              </p:nvSpPr>
-              <p:spPr>
-                <a:xfrm>
-                  <a:off x="7762680" y="2556360"/>
-                  <a:ext cx="575280" cy="575280"/>
-                </a:xfrm>
-                <a:prstGeom prst="ellipse">
-                  <a:avLst/>
-                </a:prstGeom>
-                <a:solidFill>
-                  <a:srgbClr val="E0D900"/>
-                </a:solidFill>
-                <a:ln>
-                  <a:solidFill>
-                    <a:schemeClr val="tx1"/>
-                  </a:solidFill>
-                </a:ln>
-              </p:spPr>
-              <p:style>
-                <a:lnRef idx="2">
-                  <a:schemeClr val="accent1">
-                    <a:shade val="50000"/>
-                  </a:schemeClr>
-                </a:lnRef>
-                <a:fillRef idx="1">
-                  <a:schemeClr val="accent1"/>
-                </a:fillRef>
-                <a:effectRef idx="0">
-                  <a:schemeClr val="accent1"/>
-                </a:effectRef>
-                <a:fontRef idx="minor"/>
-              </p:style>
-              <p:txBody>
-                <a:bodyPr lIns="90000" tIns="45000" rIns="90000" bIns="45000" anchor="ctr">
-                  <a:noAutofit/>
-                </a:bodyPr>
-                <a:lstStyle/>
-                <a:p>
-                  <a:pPr algn="ctr">
-                    <a:lnSpc>
-                      <a:spcPct val="100000"/>
-                    </a:lnSpc>
-                  </a:pPr>
-                  <a:r>
-                    <a:rPr lang="en-GB" sz="1600" b="0" strike="noStrike" spc="-1">
-                      <a:solidFill>
-                        <a:srgbClr val="000000"/>
-                      </a:solidFill>
-                      <a:latin typeface="Calibri"/>
-                    </a:rPr>
-                    <a:t>C</a:t>
-                  </a:r>
-                  <a:endParaRPr lang="en-AU" sz="1600" b="0" strike="noStrike" spc="-1">
-                    <a:latin typeface="Arial"/>
-                  </a:endParaRPr>
-                </a:p>
-              </p:txBody>
-            </p:sp>
-            <p:sp>
-              <p:nvSpPr>
-                <p:cNvPr id="83" name="CustomShape 43"/>
-                <p:cNvSpPr/>
-                <p:nvPr/>
-              </p:nvSpPr>
-              <p:spPr>
-                <a:xfrm>
-                  <a:off x="3854160" y="2556360"/>
-                  <a:ext cx="575280" cy="575280"/>
-                </a:xfrm>
-                <a:prstGeom prst="ellipse">
-                  <a:avLst/>
-                </a:prstGeom>
-                <a:solidFill>
-                  <a:srgbClr val="E0D900"/>
-                </a:solidFill>
-                <a:ln>
-                  <a:solidFill>
-                    <a:schemeClr val="tx1"/>
-                  </a:solidFill>
-                </a:ln>
-              </p:spPr>
-              <p:style>
-                <a:lnRef idx="2">
-                  <a:schemeClr val="accent1">
-                    <a:shade val="50000"/>
-                  </a:schemeClr>
-                </a:lnRef>
-                <a:fillRef idx="1">
-                  <a:schemeClr val="accent1"/>
-                </a:fillRef>
-                <a:effectRef idx="0">
-                  <a:schemeClr val="accent1"/>
-                </a:effectRef>
-                <a:fontRef idx="minor"/>
-              </p:style>
-              <p:txBody>
-                <a:bodyPr lIns="90000" tIns="45000" rIns="90000" bIns="45000" anchor="ctr">
-                  <a:noAutofit/>
-                </a:bodyPr>
-                <a:lstStyle/>
-                <a:p>
-                  <a:pPr algn="ctr">
-                    <a:lnSpc>
-                      <a:spcPct val="100000"/>
-                    </a:lnSpc>
-                  </a:pPr>
-                  <a:r>
-                    <a:rPr lang="en-GB" sz="1600" b="0" strike="noStrike" spc="-1">
-                      <a:solidFill>
-                        <a:srgbClr val="000000"/>
-                      </a:solidFill>
-                      <a:latin typeface="Calibri"/>
-                    </a:rPr>
-                    <a:t>B</a:t>
-                  </a:r>
-                  <a:endParaRPr lang="en-AU" sz="1600" b="0" strike="noStrike" spc="-1">
-                    <a:latin typeface="Arial"/>
-                  </a:endParaRPr>
-                </a:p>
-              </p:txBody>
-            </p:sp>
-          </p:grpSp>
-        </p:grpSp>
+              <a:off x="3990780" y="2736823"/>
+              <a:ext cx="301680" cy="204273"/>
+            </a:xfrm>
+            <a:prstGeom prst="rect">
+              <a:avLst/>
+            </a:prstGeom>
+          </p:spPr>
+        </p:pic>
+        <p:pic>
+          <p:nvPicPr>
+            <p:cNvPr id="7" name="Picture 6" descr="A screenshot of a computer&#10;&#10;Description automatically generated with medium confidence">
+              <a:extLst>
+                <a:ext uri="{FF2B5EF4-FFF2-40B4-BE49-F238E27FC236}">
+                  <a16:creationId xmlns:a16="http://schemas.microsoft.com/office/drawing/2014/main" id="{6F79E889-0BC8-3DF1-FAD5-88254F004D96}"/>
+                </a:ext>
+              </a:extLst>
+            </p:cNvPr>
+            <p:cNvPicPr>
+              <a:picLocks noChangeAspect="1"/>
+            </p:cNvPicPr>
+            <p:nvPr/>
+          </p:nvPicPr>
+          <p:blipFill rotWithShape="1">
+            <a:blip r:embed="rId2">
+              <a:extLst>
+                <a:ext uri="{28A0092B-C50C-407E-A947-70E740481C1C}">
+                  <a14:useLocalDpi xmlns:a14="http://schemas.microsoft.com/office/drawing/2010/main" val="0"/>
+                </a:ext>
+              </a:extLst>
+            </a:blip>
+            <a:srcRect l="18362" t="29719" r="74438" b="33659"/>
+            <a:stretch/>
+          </p:blipFill>
+          <p:spPr>
+            <a:xfrm rot="5400000">
+              <a:off x="7899299" y="2732807"/>
+              <a:ext cx="301680" cy="204273"/>
+            </a:xfrm>
+            <a:prstGeom prst="rect">
+              <a:avLst/>
+            </a:prstGeom>
+          </p:spPr>
+        </p:pic>
+        <p:sp>
+          <p:nvSpPr>
+            <p:cNvPr id="10" name="CustomShape 8">
+              <a:extLst>
+                <a:ext uri="{FF2B5EF4-FFF2-40B4-BE49-F238E27FC236}">
+                  <a16:creationId xmlns:a16="http://schemas.microsoft.com/office/drawing/2014/main" id="{B5DA9BAD-E166-0A64-BE81-8579FDB14738}"/>
+                </a:ext>
+              </a:extLst>
+            </p:cNvPr>
+            <p:cNvSpPr/>
+            <p:nvPr/>
+          </p:nvSpPr>
+          <p:spPr>
+            <a:xfrm>
+              <a:off x="2453650" y="3735569"/>
+              <a:ext cx="575280" cy="575280"/>
+            </a:xfrm>
+            <a:prstGeom prst="ellipse">
+              <a:avLst/>
+            </a:prstGeom>
+            <a:solidFill>
+              <a:srgbClr val="F2F2F2"/>
+            </a:solidFill>
+            <a:ln>
+              <a:solidFill>
+                <a:schemeClr val="tx1"/>
+              </a:solidFill>
+            </a:ln>
+          </p:spPr>
+          <p:style>
+            <a:lnRef idx="2">
+              <a:schemeClr val="accent1">
+                <a:shade val="50000"/>
+              </a:schemeClr>
+            </a:lnRef>
+            <a:fillRef idx="1">
+              <a:schemeClr val="accent1"/>
+            </a:fillRef>
+            <a:effectRef idx="0">
+              <a:schemeClr val="accent1"/>
+            </a:effectRef>
+            <a:fontRef idx="minor"/>
+          </p:style>
+          <p:txBody>
+            <a:bodyPr lIns="90000" tIns="45000" rIns="90000" bIns="45000" anchor="ctr">
+              <a:noAutofit/>
+            </a:bodyPr>
+            <a:lstStyle/>
+            <a:p>
+              <a:pPr algn="ctr">
+                <a:lnSpc>
+                  <a:spcPct val="100000"/>
+                </a:lnSpc>
+              </a:pPr>
+              <a:endParaRPr lang="en-AU" sz="1600" b="0" strike="noStrike" spc="-1" dirty="0">
+                <a:latin typeface="Arial"/>
+              </a:endParaRPr>
+            </a:p>
+          </p:txBody>
+        </p:sp>
+        <p:sp>
+          <p:nvSpPr>
+            <p:cNvPr id="25" name="Line 16">
+              <a:extLst>
+                <a:ext uri="{FF2B5EF4-FFF2-40B4-BE49-F238E27FC236}">
+                  <a16:creationId xmlns:a16="http://schemas.microsoft.com/office/drawing/2014/main" id="{73BCB47B-7016-5FAF-F47F-DFD245C87E72}"/>
+                </a:ext>
+              </a:extLst>
+            </p:cNvPr>
+            <p:cNvSpPr/>
+            <p:nvPr/>
+          </p:nvSpPr>
+          <p:spPr>
+            <a:xfrm>
+              <a:off x="4221860" y="3112200"/>
+              <a:ext cx="361861" cy="629640"/>
+            </a:xfrm>
+            <a:prstGeom prst="line">
+              <a:avLst/>
+            </a:prstGeom>
+            <a:ln w="12700">
+              <a:solidFill>
+                <a:schemeClr val="tx1"/>
+              </a:solidFill>
+            </a:ln>
+          </p:spPr>
+          <p:style>
+            <a:lnRef idx="1">
+              <a:schemeClr val="accent1"/>
+            </a:lnRef>
+            <a:fillRef idx="0">
+              <a:schemeClr val="accent1"/>
+            </a:fillRef>
+            <a:effectRef idx="0">
+              <a:schemeClr val="accent1"/>
+            </a:effectRef>
+            <a:fontRef idx="minor"/>
+          </p:style>
+        </p:sp>
+        <p:pic>
+          <p:nvPicPr>
+            <p:cNvPr id="9" name="Picture 8" descr="A screenshot of a computer&#10;&#10;Description automatically generated with medium confidence">
+              <a:extLst>
+                <a:ext uri="{FF2B5EF4-FFF2-40B4-BE49-F238E27FC236}">
+                  <a16:creationId xmlns:a16="http://schemas.microsoft.com/office/drawing/2014/main" id="{07B4C2BC-7867-4045-A896-E7EB9F2ECB26}"/>
+                </a:ext>
+              </a:extLst>
+            </p:cNvPr>
+            <p:cNvPicPr>
+              <a:picLocks noChangeAspect="1"/>
+            </p:cNvPicPr>
+            <p:nvPr/>
+          </p:nvPicPr>
+          <p:blipFill rotWithShape="1">
+            <a:blip r:embed="rId2">
+              <a:extLst>
+                <a:ext uri="{28A0092B-C50C-407E-A947-70E740481C1C}">
+                  <a14:useLocalDpi xmlns:a14="http://schemas.microsoft.com/office/drawing/2010/main" val="0"/>
+                </a:ext>
+              </a:extLst>
+            </a:blip>
+            <a:srcRect l="27535" t="29397" r="65213" b="33582"/>
+            <a:stretch/>
+          </p:blipFill>
+          <p:spPr>
+            <a:xfrm>
+              <a:off x="2580795" y="3921072"/>
+              <a:ext cx="300662" cy="204274"/>
+            </a:xfrm>
+            <a:prstGeom prst="rect">
+              <a:avLst/>
+            </a:prstGeom>
+          </p:spPr>
+        </p:pic>
+        <p:pic>
+          <p:nvPicPr>
+            <p:cNvPr id="27" name="Picture 26" descr="A screenshot of a computer&#10;&#10;Description automatically generated with medium confidence">
+              <a:extLst>
+                <a:ext uri="{FF2B5EF4-FFF2-40B4-BE49-F238E27FC236}">
+                  <a16:creationId xmlns:a16="http://schemas.microsoft.com/office/drawing/2014/main" id="{183BC68E-7081-1668-CAEF-41813A261AFE}"/>
+                </a:ext>
+              </a:extLst>
+            </p:cNvPr>
+            <p:cNvPicPr>
+              <a:picLocks noChangeAspect="1"/>
+            </p:cNvPicPr>
+            <p:nvPr/>
+          </p:nvPicPr>
+          <p:blipFill rotWithShape="1">
+            <a:blip r:embed="rId2">
+              <a:extLst>
+                <a:ext uri="{28A0092B-C50C-407E-A947-70E740481C1C}">
+                  <a14:useLocalDpi xmlns:a14="http://schemas.microsoft.com/office/drawing/2010/main" val="0"/>
+                </a:ext>
+              </a:extLst>
+            </a:blip>
+            <a:srcRect l="27535" t="29397" r="65213" b="33582"/>
+            <a:stretch/>
+          </p:blipFill>
+          <p:spPr>
+            <a:xfrm rot="5400000">
+              <a:off x="3513337" y="3927703"/>
+              <a:ext cx="300662" cy="204274"/>
+            </a:xfrm>
+            <a:prstGeom prst="rect">
+              <a:avLst/>
+            </a:prstGeom>
+          </p:spPr>
+        </p:pic>
+        <p:pic>
+          <p:nvPicPr>
+            <p:cNvPr id="29" name="Picture 28" descr="A screenshot of a computer&#10;&#10;Description automatically generated with medium confidence">
+              <a:extLst>
+                <a:ext uri="{FF2B5EF4-FFF2-40B4-BE49-F238E27FC236}">
+                  <a16:creationId xmlns:a16="http://schemas.microsoft.com/office/drawing/2014/main" id="{C4B6CB0D-7952-FF15-1E17-E01D3267ECD8}"/>
+                </a:ext>
+              </a:extLst>
+            </p:cNvPr>
+            <p:cNvPicPr>
+              <a:picLocks noChangeAspect="1"/>
+            </p:cNvPicPr>
+            <p:nvPr/>
+          </p:nvPicPr>
+          <p:blipFill rotWithShape="1">
+            <a:blip r:embed="rId2">
+              <a:extLst>
+                <a:ext uri="{28A0092B-C50C-407E-A947-70E740481C1C}">
+                  <a14:useLocalDpi xmlns:a14="http://schemas.microsoft.com/office/drawing/2010/main" val="0"/>
+                </a:ext>
+              </a:extLst>
+            </a:blip>
+            <a:srcRect l="27535" t="29397" r="65213" b="33582"/>
+            <a:stretch/>
+          </p:blipFill>
+          <p:spPr>
+            <a:xfrm rot="16200000">
+              <a:off x="5363789" y="3926875"/>
+              <a:ext cx="300662" cy="204274"/>
+            </a:xfrm>
+            <a:prstGeom prst="rect">
+              <a:avLst/>
+            </a:prstGeom>
+          </p:spPr>
+        </p:pic>
+        <p:pic>
+          <p:nvPicPr>
+            <p:cNvPr id="30" name="Picture 29" descr="A screenshot of a computer&#10;&#10;Description automatically generated with medium confidence">
+              <a:extLst>
+                <a:ext uri="{FF2B5EF4-FFF2-40B4-BE49-F238E27FC236}">
+                  <a16:creationId xmlns:a16="http://schemas.microsoft.com/office/drawing/2014/main" id="{80CD5795-16F1-5778-CC56-0B7C2F25D784}"/>
+                </a:ext>
+              </a:extLst>
+            </p:cNvPr>
+            <p:cNvPicPr>
+              <a:picLocks noChangeAspect="1"/>
+            </p:cNvPicPr>
+            <p:nvPr/>
+          </p:nvPicPr>
+          <p:blipFill rotWithShape="1">
+            <a:blip r:embed="rId2">
+              <a:extLst>
+                <a:ext uri="{28A0092B-C50C-407E-A947-70E740481C1C}">
+                  <a14:useLocalDpi xmlns:a14="http://schemas.microsoft.com/office/drawing/2010/main" val="0"/>
+                </a:ext>
+              </a:extLst>
+            </a:blip>
+            <a:srcRect l="27535" t="29397" r="65213" b="33582"/>
+            <a:stretch/>
+          </p:blipFill>
+          <p:spPr>
+            <a:xfrm flipV="1">
+              <a:off x="4445174" y="3921072"/>
+              <a:ext cx="300662" cy="204274"/>
+            </a:xfrm>
+            <a:prstGeom prst="rect">
+              <a:avLst/>
+            </a:prstGeom>
+          </p:spPr>
+        </p:pic>
+        <p:pic>
+          <p:nvPicPr>
+            <p:cNvPr id="31" name="Picture 30" descr="A screenshot of a computer&#10;&#10;Description automatically generated with medium confidence">
+              <a:extLst>
+                <a:ext uri="{FF2B5EF4-FFF2-40B4-BE49-F238E27FC236}">
+                  <a16:creationId xmlns:a16="http://schemas.microsoft.com/office/drawing/2014/main" id="{01628027-CFF1-55AE-509D-C3F506A3F37F}"/>
+                </a:ext>
+              </a:extLst>
+            </p:cNvPr>
+            <p:cNvPicPr>
+              <a:picLocks noChangeAspect="1"/>
+            </p:cNvPicPr>
+            <p:nvPr/>
+          </p:nvPicPr>
+          <p:blipFill rotWithShape="1">
+            <a:blip r:embed="rId2">
+              <a:extLst>
+                <a:ext uri="{28A0092B-C50C-407E-A947-70E740481C1C}">
+                  <a14:useLocalDpi xmlns:a14="http://schemas.microsoft.com/office/drawing/2010/main" val="0"/>
+                </a:ext>
+              </a:extLst>
+            </a:blip>
+            <a:srcRect l="27535" t="29397" r="65213" b="33582"/>
+            <a:stretch/>
+          </p:blipFill>
+          <p:spPr>
+            <a:xfrm>
+              <a:off x="6902068" y="3949951"/>
+              <a:ext cx="300662" cy="204274"/>
+            </a:xfrm>
+            <a:prstGeom prst="rect">
+              <a:avLst/>
+            </a:prstGeom>
+          </p:spPr>
+        </p:pic>
+        <p:pic>
+          <p:nvPicPr>
+            <p:cNvPr id="32" name="Picture 31" descr="A screenshot of a computer&#10;&#10;Description automatically generated with medium confidence">
+              <a:extLst>
+                <a:ext uri="{FF2B5EF4-FFF2-40B4-BE49-F238E27FC236}">
+                  <a16:creationId xmlns:a16="http://schemas.microsoft.com/office/drawing/2014/main" id="{91CEE18C-C33C-8BC8-F640-2960E4943EBA}"/>
+                </a:ext>
+              </a:extLst>
+            </p:cNvPr>
+            <p:cNvPicPr>
+              <a:picLocks noChangeAspect="1"/>
+            </p:cNvPicPr>
+            <p:nvPr/>
+          </p:nvPicPr>
+          <p:blipFill rotWithShape="1">
+            <a:blip r:embed="rId2">
+              <a:extLst>
+                <a:ext uri="{28A0092B-C50C-407E-A947-70E740481C1C}">
+                  <a14:useLocalDpi xmlns:a14="http://schemas.microsoft.com/office/drawing/2010/main" val="0"/>
+                </a:ext>
+              </a:extLst>
+            </a:blip>
+            <a:srcRect l="27535" t="29397" r="65213" b="33582"/>
+            <a:stretch/>
+          </p:blipFill>
+          <p:spPr>
+            <a:xfrm rot="5400000">
+              <a:off x="8888652" y="3944742"/>
+              <a:ext cx="300662" cy="204274"/>
+            </a:xfrm>
+            <a:prstGeom prst="rect">
+              <a:avLst/>
+            </a:prstGeom>
+          </p:spPr>
+        </p:pic>
+        <p:pic>
+          <p:nvPicPr>
+            <p:cNvPr id="34" name="Picture 33" descr="A screenshot of a computer&#10;&#10;Description automatically generated with medium confidence">
+              <a:extLst>
+                <a:ext uri="{FF2B5EF4-FFF2-40B4-BE49-F238E27FC236}">
+                  <a16:creationId xmlns:a16="http://schemas.microsoft.com/office/drawing/2014/main" id="{AAE9BA21-19ED-1B3D-A34B-074A2BDCC746}"/>
+                </a:ext>
+              </a:extLst>
+            </p:cNvPr>
+            <p:cNvPicPr>
+              <a:picLocks noChangeAspect="1"/>
+            </p:cNvPicPr>
+            <p:nvPr/>
+          </p:nvPicPr>
+          <p:blipFill rotWithShape="1">
+            <a:blip r:embed="rId2">
+              <a:extLst>
+                <a:ext uri="{28A0092B-C50C-407E-A947-70E740481C1C}">
+                  <a14:useLocalDpi xmlns:a14="http://schemas.microsoft.com/office/drawing/2010/main" val="0"/>
+                </a:ext>
+              </a:extLst>
+            </a:blip>
+            <a:srcRect l="36761" t="29297" r="55971" b="33791"/>
+            <a:stretch/>
+          </p:blipFill>
+          <p:spPr>
+            <a:xfrm>
+              <a:off x="8898035" y="5126863"/>
+              <a:ext cx="302199" cy="204274"/>
+            </a:xfrm>
+            <a:prstGeom prst="rect">
+              <a:avLst/>
+            </a:prstGeom>
+          </p:spPr>
+        </p:pic>
       </p:grpSp>
     </p:spTree>
   </p:cSld>
